--- a/linsley_postdoc/presentations/weekly_meetings/12_14_23.pptx
+++ b/linsley_postdoc/presentations/weekly_meetings/12_14_23.pptx
@@ -219,7 +219,7 @@
           <a:p>
             <a:fld id="{E933A773-0DCE-3544-BB67-D5FA58DF903C}" type="datetimeFigureOut">
               <a:rPr lang="en-US" smtClean="0"/>
-              <a:t>12/13/23</a:t>
+              <a:t>12/14/23</a:t>
             </a:fld>
             <a:endParaRPr lang="en-US"/>
           </a:p>
@@ -921,6 +921,34 @@
               <a:t>). This group of drug-exposed patients without colitis was evenly split between patients who had or did not have inflammation of the small intestine (enteritis)</a:t>
             </a:r>
           </a:p>
+          <a:p>
+            <a:endParaRPr lang="en-US" b="0" i="0" u="none" strike="noStrike" dirty="0">
+              <a:solidFill>
+                <a:srgbClr val="212121"/>
+              </a:solidFill>
+              <a:effectLst/>
+              <a:latin typeface="Cambria" panose="02040503050406030204" pitchFamily="18" charset="0"/>
+            </a:endParaRPr>
+          </a:p>
+          <a:p>
+            <a:r>
+              <a:rPr lang="en-US" b="0" i="0" u="none" strike="noStrike" dirty="0">
+                <a:solidFill>
+                  <a:srgbClr val="E2EEFF"/>
+                </a:solidFill>
+                <a:effectLst/>
+                <a:latin typeface="Google Sans"/>
+              </a:rPr>
+              <a:t>Enteritis is inflammation of the small intestine, while colitis is inflammation of the colon</a:t>
+            </a:r>
+            <a:endParaRPr lang="en-US" b="0" i="0" u="none" strike="noStrike" dirty="0">
+              <a:solidFill>
+                <a:srgbClr val="212121"/>
+              </a:solidFill>
+              <a:effectLst/>
+              <a:latin typeface="Cambria" panose="02040503050406030204" pitchFamily="18" charset="0"/>
+            </a:endParaRPr>
+          </a:p>
         </p:txBody>
       </p:sp>
       <p:sp>
@@ -2669,7 +2697,7 @@
           <a:p>
             <a:fld id="{80FC6068-BAFB-FC44-B9D8-F4B3BB105DE6}" type="datetimeFigureOut">
               <a:rPr lang="en-US" smtClean="0"/>
-              <a:t>12/13/23</a:t>
+              <a:t>12/14/23</a:t>
             </a:fld>
             <a:endParaRPr lang="en-US"/>
           </a:p>
@@ -2867,7 +2895,7 @@
           <a:p>
             <a:fld id="{80FC6068-BAFB-FC44-B9D8-F4B3BB105DE6}" type="datetimeFigureOut">
               <a:rPr lang="en-US" smtClean="0"/>
-              <a:t>12/13/23</a:t>
+              <a:t>12/14/23</a:t>
             </a:fld>
             <a:endParaRPr lang="en-US"/>
           </a:p>
@@ -3075,7 +3103,7 @@
           <a:p>
             <a:fld id="{80FC6068-BAFB-FC44-B9D8-F4B3BB105DE6}" type="datetimeFigureOut">
               <a:rPr lang="en-US" smtClean="0"/>
-              <a:t>12/13/23</a:t>
+              <a:t>12/14/23</a:t>
             </a:fld>
             <a:endParaRPr lang="en-US"/>
           </a:p>
@@ -3279,7 +3307,7 @@
           <a:p>
             <a:fld id="{80FC6068-BAFB-FC44-B9D8-F4B3BB105DE6}" type="datetimeFigureOut">
               <a:rPr lang="en-US" smtClean="0"/>
-              <a:t>12/13/23</a:t>
+              <a:t>12/14/23</a:t>
             </a:fld>
             <a:endParaRPr lang="en-US"/>
           </a:p>
@@ -3570,7 +3598,7 @@
           <a:p>
             <a:fld id="{80FC6068-BAFB-FC44-B9D8-F4B3BB105DE6}" type="datetimeFigureOut">
               <a:rPr lang="en-US" smtClean="0"/>
-              <a:t>12/13/23</a:t>
+              <a:t>12/14/23</a:t>
             </a:fld>
             <a:endParaRPr lang="en-US"/>
           </a:p>
@@ -3835,7 +3863,7 @@
           <a:p>
             <a:fld id="{80FC6068-BAFB-FC44-B9D8-F4B3BB105DE6}" type="datetimeFigureOut">
               <a:rPr lang="en-US" smtClean="0"/>
-              <a:t>12/13/23</a:t>
+              <a:t>12/14/23</a:t>
             </a:fld>
             <a:endParaRPr lang="en-US"/>
           </a:p>
@@ -4247,7 +4275,7 @@
           <a:p>
             <a:fld id="{80FC6068-BAFB-FC44-B9D8-F4B3BB105DE6}" type="datetimeFigureOut">
               <a:rPr lang="en-US" smtClean="0"/>
-              <a:t>12/13/23</a:t>
+              <a:t>12/14/23</a:t>
             </a:fld>
             <a:endParaRPr lang="en-US"/>
           </a:p>
@@ -4388,7 +4416,7 @@
           <a:p>
             <a:fld id="{80FC6068-BAFB-FC44-B9D8-F4B3BB105DE6}" type="datetimeFigureOut">
               <a:rPr lang="en-US" smtClean="0"/>
-              <a:t>12/13/23</a:t>
+              <a:t>12/14/23</a:t>
             </a:fld>
             <a:endParaRPr lang="en-US"/>
           </a:p>
@@ -4501,7 +4529,7 @@
           <a:p>
             <a:fld id="{80FC6068-BAFB-FC44-B9D8-F4B3BB105DE6}" type="datetimeFigureOut">
               <a:rPr lang="en-US" smtClean="0"/>
-              <a:t>12/13/23</a:t>
+              <a:t>12/14/23</a:t>
             </a:fld>
             <a:endParaRPr lang="en-US"/>
           </a:p>
@@ -4812,7 +4840,7 @@
           <a:p>
             <a:fld id="{80FC6068-BAFB-FC44-B9D8-F4B3BB105DE6}" type="datetimeFigureOut">
               <a:rPr lang="en-US" smtClean="0"/>
-              <a:t>12/13/23</a:t>
+              <a:t>12/14/23</a:t>
             </a:fld>
             <a:endParaRPr lang="en-US"/>
           </a:p>
@@ -5100,7 +5128,7 @@
           <a:p>
             <a:fld id="{80FC6068-BAFB-FC44-B9D8-F4B3BB105DE6}" type="datetimeFigureOut">
               <a:rPr lang="en-US" smtClean="0"/>
-              <a:t>12/13/23</a:t>
+              <a:t>12/14/23</a:t>
             </a:fld>
             <a:endParaRPr lang="en-US"/>
           </a:p>
@@ -5341,7 +5369,7 @@
           <a:p>
             <a:fld id="{80FC6068-BAFB-FC44-B9D8-F4B3BB105DE6}" type="datetimeFigureOut">
               <a:rPr lang="en-US" smtClean="0"/>
-              <a:t>12/13/23</a:t>
+              <a:t>12/14/23</a:t>
             </a:fld>
             <a:endParaRPr lang="en-US"/>
           </a:p>
@@ -6036,12 +6064,12 @@
         <p:spPr>
           <a:xfrm>
             <a:off x="838199" y="1919288"/>
-            <a:ext cx="5521961" cy="4268152"/>
+            <a:ext cx="4820921" cy="4268152"/>
           </a:xfrm>
         </p:spPr>
         <p:txBody>
           <a:bodyPr>
-            <a:normAutofit/>
+            <a:normAutofit fontScale="92500" lnSpcReduction="10000"/>
           </a:bodyPr>
           <a:lstStyle/>
           <a:p>
@@ -6090,7 +6118,7 @@
                   <a:srgbClr val="212121"/>
                 </a:solidFill>
               </a:rPr>
-              <a:t>HC: n = 8</a:t>
+              <a:t>HC: n = 8 (CT group)</a:t>
             </a:r>
           </a:p>
           <a:p>
@@ -6102,7 +6130,7 @@
                 </a:solidFill>
                 <a:effectLst/>
               </a:rPr>
-              <a:t>ICB no colitis: n = 6</a:t>
+              <a:t>ICB no colitis: n = 6 (NC group)</a:t>
             </a:r>
           </a:p>
           <a:p>
@@ -6113,7 +6141,18 @@
                   <a:srgbClr val="212121"/>
                 </a:solidFill>
               </a:rPr>
-              <a:t>½ enteritis ½ no enteritis</a:t>
+              <a:t>3 enteritis</a:t>
+            </a:r>
+          </a:p>
+          <a:p>
+            <a:pPr lvl="2"/>
+            <a:r>
+              <a:rPr lang="en-US" dirty="0">
+                <a:solidFill>
+                  <a:srgbClr val="212121"/>
+                </a:solidFill>
+              </a:rPr>
+              <a:t>3 no intestinal inflammation</a:t>
             </a:r>
             <a:endParaRPr lang="en-US" b="0" u="none" strike="noStrike" dirty="0">
               <a:solidFill>
@@ -6130,7 +6169,29 @@
                   <a:srgbClr val="212121"/>
                 </a:solidFill>
               </a:rPr>
-              <a:t>ICB colitis: n = 8</a:t>
+              <a:t>ICB colitis: n = 8 (C group)</a:t>
+            </a:r>
+          </a:p>
+          <a:p>
+            <a:pPr lvl="2"/>
+            <a:r>
+              <a:rPr lang="en-US" dirty="0">
+                <a:solidFill>
+                  <a:srgbClr val="212121"/>
+                </a:solidFill>
+              </a:rPr>
+              <a:t>5 enterocolitis</a:t>
+            </a:r>
+          </a:p>
+          <a:p>
+            <a:pPr lvl="2"/>
+            <a:r>
+              <a:rPr lang="en-US" dirty="0">
+                <a:solidFill>
+                  <a:srgbClr val="212121"/>
+                </a:solidFill>
+              </a:rPr>
+              <a:t>3 colitis</a:t>
             </a:r>
           </a:p>
           <a:p>
@@ -6141,7 +6202,7 @@
                   <a:srgbClr val="212121"/>
                 </a:solidFill>
               </a:rPr>
-              <a:t>Hopefully more T cell infiltrates in healthy colon than healthy thyroid</a:t>
+              <a:t>Expecting more T cells in healthy colon than healthy thyroid</a:t>
             </a:r>
           </a:p>
         </p:txBody>
@@ -6168,8 +6229,38 @@
         </p:blipFill>
         <p:spPr>
           <a:xfrm>
-            <a:off x="6469380" y="1919288"/>
+            <a:off x="5496560" y="1919288"/>
             <a:ext cx="5410200" cy="3581400"/>
+          </a:xfrm>
+          <a:prstGeom prst="rect">
+            <a:avLst/>
+          </a:prstGeom>
+        </p:spPr>
+      </p:pic>
+      <p:pic>
+        <p:nvPicPr>
+          <p:cNvPr id="4" name="Picture 3">
+            <a:extLst>
+              <a:ext uri="{FF2B5EF4-FFF2-40B4-BE49-F238E27FC236}">
+                <a16:creationId xmlns:a16="http://schemas.microsoft.com/office/drawing/2014/main" id="{A2001CE5-7C04-60B4-7F38-F39F983932A8}"/>
+              </a:ext>
+            </a:extLst>
+          </p:cNvPr>
+          <p:cNvPicPr>
+            <a:picLocks noChangeAspect="1"/>
+          </p:cNvPicPr>
+          <p:nvPr/>
+        </p:nvPicPr>
+        <p:blipFill>
+          <a:blip r:embed="rId4"/>
+          <a:stretch>
+            <a:fillRect/>
+          </a:stretch>
+        </p:blipFill>
+        <p:spPr>
+          <a:xfrm>
+            <a:off x="10439400" y="0"/>
+            <a:ext cx="1723920" cy="6858000"/>
           </a:xfrm>
           <a:prstGeom prst="rect">
             <a:avLst/>
@@ -8804,7 +8895,7 @@
           <a:p>
             <a:r>
               <a:rPr lang="en-US" dirty="0"/>
-              <a:t>No normal thyroid HC T cells passed QC and had TCR seq data</a:t>
+              <a:t>No normal thyroid HC T cells had TCR seq data</a:t>
             </a:r>
           </a:p>
           <a:p>
@@ -8826,7 +8917,15 @@
             </a:r>
             <a:r>
               <a:rPr lang="en-US" dirty="0"/>
-              <a:t> and HT groups…</a:t>
+              <a:t> and HT groups or what an alternative control would be (besides supplemental healthy thyroid </a:t>
+            </a:r>
+            <a:r>
+              <a:rPr lang="en-US" dirty="0" err="1"/>
+              <a:t>TCRseq</a:t>
+            </a:r>
+            <a:r>
+              <a:rPr lang="en-US" dirty="0"/>
+              <a:t>)…</a:t>
             </a:r>
           </a:p>
         </p:txBody>

--- a/linsley_postdoc/presentations/weekly_meetings/12_14_23.pptx
+++ b/linsley_postdoc/presentations/weekly_meetings/12_14_23.pptx
@@ -5,7 +5,7 @@
     <p:sldMasterId id="2147483648" r:id="rId1"/>
   </p:sldMasterIdLst>
   <p:notesMasterIdLst>
-    <p:notesMasterId r:id="rId14"/>
+    <p:notesMasterId r:id="rId15"/>
   </p:notesMasterIdLst>
   <p:sldIdLst>
     <p:sldId id="477" r:id="rId2"/>
@@ -15,11 +15,12 @@
     <p:sldId id="473" r:id="rId6"/>
     <p:sldId id="472" r:id="rId7"/>
     <p:sldId id="475" r:id="rId8"/>
-    <p:sldId id="476" r:id="rId9"/>
-    <p:sldId id="478" r:id="rId10"/>
-    <p:sldId id="441" r:id="rId11"/>
-    <p:sldId id="442" r:id="rId12"/>
-    <p:sldId id="471" r:id="rId13"/>
+    <p:sldId id="441" r:id="rId9"/>
+    <p:sldId id="476" r:id="rId10"/>
+    <p:sldId id="442" r:id="rId11"/>
+    <p:sldId id="478" r:id="rId12"/>
+    <p:sldId id="479" r:id="rId13"/>
+    <p:sldId id="471" r:id="rId14"/>
   </p:sldIdLst>
   <p:sldSz cx="12192000" cy="6858000"/>
   <p:notesSz cx="6858000" cy="9144000"/>
@@ -622,7 +623,7 @@
                 <a:effectLst/>
                 <a:latin typeface="Cambria" panose="02040503050406030204" pitchFamily="18" charset="0"/>
               </a:rPr>
-              <a:t>Context of BRI/</a:t>
+              <a:t>Not sure if ICB no colitis had other </a:t>
             </a:r>
             <a:r>
               <a:rPr lang="en-US" b="0" i="0" u="none" strike="noStrike" dirty="0" err="1">
@@ -632,7 +633,7 @@
                 <a:effectLst/>
                 <a:latin typeface="Cambria" panose="02040503050406030204" pitchFamily="18" charset="0"/>
               </a:rPr>
-              <a:t>VDJdb</a:t>
+              <a:t>irAEs</a:t>
             </a:r>
             <a:r>
               <a:rPr lang="en-US" b="0" i="0" u="none" strike="noStrike" dirty="0">
@@ -642,7 +643,7 @@
                 <a:effectLst/>
                 <a:latin typeface="Cambria" panose="02040503050406030204" pitchFamily="18" charset="0"/>
               </a:rPr>
-              <a:t> data…</a:t>
+              <a:t>… doesn’t matter as much probably given sampling from colon</a:t>
             </a:r>
           </a:p>
           <a:p>
@@ -663,17 +664,18 @@
                 <a:effectLst/>
                 <a:latin typeface="Cambria" panose="02040503050406030204" pitchFamily="18" charset="0"/>
               </a:rPr>
-              <a:t>Public/shorter CD8 TRAs/higher </a:t>
-            </a:r>
-            <a:r>
-              <a:rPr lang="en-US" b="0" i="0" u="none" strike="noStrike" dirty="0" err="1">
-                <a:solidFill>
-                  <a:srgbClr val="212121"/>
+              <a:t>ICB no colitis: CPI-treated melanoma patients who underwent endoscopic evaluation for suspected +CPI colitis but were found to have normal colonic mucosa both endoscopically and histologically (n=6, +CPI no-colitis) (</a:t>
+            </a:r>
+            <a:r>
+              <a:rPr lang="en-US" b="0" i="0" u="sng" dirty="0">
+                <a:solidFill>
+                  <a:srgbClr val="4C2C92"/>
                 </a:solidFill>
                 <a:effectLst/>
                 <a:latin typeface="Cambria" panose="02040503050406030204" pitchFamily="18" charset="0"/>
-              </a:rPr>
-              <a:t>pgen</a:t>
+                <a:hlinkClick r:id="rId3"/>
+              </a:rPr>
+              <a:t>Figure 1B</a:t>
             </a:r>
             <a:r>
               <a:rPr lang="en-US" b="0" i="0" u="none" strike="noStrike" dirty="0">
@@ -683,88 +685,36 @@
                 <a:effectLst/>
                 <a:latin typeface="Cambria" panose="02040503050406030204" pitchFamily="18" charset="0"/>
               </a:rPr>
-              <a:t> expected more </a:t>
-            </a:r>
-            <a:r>
-              <a:rPr lang="en-US" b="0" i="0" u="none" strike="noStrike" dirty="0" err="1">
-                <a:solidFill>
-                  <a:srgbClr val="212121"/>
+              <a:t>). This group of drug-exposed patients without colitis was evenly split between patients who had or did not have inflammation of the small intestine (enteritis)</a:t>
+            </a:r>
+          </a:p>
+          <a:p>
+            <a:endParaRPr lang="en-US" b="0" i="0" u="none" strike="noStrike" dirty="0">
+              <a:solidFill>
+                <a:srgbClr val="212121"/>
+              </a:solidFill>
+              <a:effectLst/>
+              <a:latin typeface="Cambria" panose="02040503050406030204" pitchFamily="18" charset="0"/>
+            </a:endParaRPr>
+          </a:p>
+          <a:p>
+            <a:r>
+              <a:rPr lang="en-US" b="0" i="0" u="none" strike="noStrike" dirty="0">
+                <a:solidFill>
+                  <a:srgbClr val="E2EEFF"/>
                 </a:solidFill>
                 <a:effectLst/>
-                <a:latin typeface="Cambria" panose="02040503050406030204" pitchFamily="18" charset="0"/>
-              </a:rPr>
-              <a:t>crossreactive</a:t>
-            </a:r>
-            <a:r>
-              <a:rPr lang="en-US" b="0" i="0" u="none" strike="noStrike" dirty="0">
-                <a:solidFill>
-                  <a:srgbClr val="212121"/>
-                </a:solidFill>
-                <a:effectLst/>
-                <a:latin typeface="Cambria" panose="02040503050406030204" pitchFamily="18" charset="0"/>
-              </a:rPr>
-              <a:t> from BRI/</a:t>
-            </a:r>
-            <a:r>
-              <a:rPr lang="en-US" b="0" i="0" u="none" strike="noStrike" dirty="0" err="1">
-                <a:solidFill>
-                  <a:srgbClr val="212121"/>
-                </a:solidFill>
-                <a:effectLst/>
-                <a:latin typeface="Cambria" panose="02040503050406030204" pitchFamily="18" charset="0"/>
-              </a:rPr>
-              <a:t>VDJdb</a:t>
-            </a:r>
-            <a:r>
-              <a:rPr lang="en-US" b="0" i="0" u="none" strike="noStrike" dirty="0">
-                <a:solidFill>
-                  <a:srgbClr val="212121"/>
-                </a:solidFill>
-                <a:effectLst/>
-                <a:latin typeface="Cambria" panose="02040503050406030204" pitchFamily="18" charset="0"/>
-              </a:rPr>
-              <a:t> data... (</a:t>
-            </a:r>
-            <a:r>
-              <a:rPr lang="en-US" b="0" i="0" u="none" strike="noStrike" dirty="0" err="1">
-                <a:solidFill>
-                  <a:srgbClr val="212121"/>
-                </a:solidFill>
-                <a:effectLst/>
-                <a:latin typeface="Cambria" panose="02040503050406030204" pitchFamily="18" charset="0"/>
-              </a:rPr>
-              <a:t>VDJdb</a:t>
-            </a:r>
-            <a:r>
-              <a:rPr lang="en-US" b="0" i="0" u="none" strike="noStrike" dirty="0">
-                <a:solidFill>
-                  <a:srgbClr val="212121"/>
-                </a:solidFill>
-                <a:effectLst/>
-                <a:latin typeface="Cambria" panose="02040503050406030204" pitchFamily="18" charset="0"/>
-              </a:rPr>
-              <a:t> not </a:t>
-            </a:r>
-            <a:r>
-              <a:rPr lang="en-US" b="0" i="0" u="none" strike="noStrike" dirty="0" err="1">
-                <a:solidFill>
-                  <a:srgbClr val="212121"/>
-                </a:solidFill>
-                <a:effectLst/>
-                <a:latin typeface="Cambria" panose="02040503050406030204" pitchFamily="18" charset="0"/>
-              </a:rPr>
-              <a:t>pgen</a:t>
-            </a:r>
-            <a:r>
-              <a:rPr lang="en-US" b="0" i="0" u="none" strike="noStrike" dirty="0">
-                <a:solidFill>
-                  <a:srgbClr val="212121"/>
-                </a:solidFill>
-                <a:effectLst/>
-                <a:latin typeface="Cambria" panose="02040503050406030204" pitchFamily="18" charset="0"/>
-              </a:rPr>
-              <a:t>, BRI all 3)</a:t>
-            </a:r>
+                <a:latin typeface="Google Sans"/>
+              </a:rPr>
+              <a:t>Enteritis is inflammation of the small intestine, while colitis is inflammation of the colon</a:t>
+            </a:r>
+            <a:endParaRPr lang="en-US" b="0" i="0" u="none" strike="noStrike" dirty="0">
+              <a:solidFill>
+                <a:srgbClr val="212121"/>
+              </a:solidFill>
+              <a:effectLst/>
+              <a:latin typeface="Cambria" panose="02040503050406030204" pitchFamily="18" charset="0"/>
+            </a:endParaRPr>
           </a:p>
         </p:txBody>
       </p:sp>
@@ -794,7 +744,7 @@
     </p:spTree>
     <p:extLst>
       <p:ext uri="{BB962C8B-B14F-4D97-AF65-F5344CB8AC3E}">
-        <p14:creationId xmlns:p14="http://schemas.microsoft.com/office/powerpoint/2010/main" val="4058303383"/>
+        <p14:creationId xmlns:p14="http://schemas.microsoft.com/office/powerpoint/2010/main" val="2672187720"/>
       </p:ext>
     </p:extLst>
   </p:cSld>
@@ -849,105 +799,77 @@
           <a:lstStyle/>
           <a:p>
             <a:r>
+              <a:rPr lang="en-US" dirty="0"/>
+              <a:t>Seems as though this </a:t>
+            </a:r>
+            <a:r>
+              <a:rPr lang="en-US" b="0" i="0" u="none" strike="noStrike" dirty="0" err="1">
+                <a:solidFill>
+                  <a:srgbClr val="1F1F1F"/>
+                </a:solidFill>
+                <a:effectLst/>
+                <a:latin typeface="ElsevierGulliver"/>
+              </a:rPr>
+              <a:t>NeoTCR</a:t>
+            </a:r>
+            <a:r>
+              <a:rPr lang="en-US" b="0" i="0" u="none" strike="noStrike" baseline="-25000" dirty="0" err="1">
+                <a:solidFill>
+                  <a:srgbClr val="1F1F1F"/>
+                </a:solidFill>
+                <a:effectLst/>
+                <a:latin typeface="ElsevierGulliver"/>
+              </a:rPr>
+              <a:t>PBL</a:t>
+            </a:r>
+            <a:r>
               <a:rPr lang="en-US" b="0" i="0" u="none" strike="noStrike" dirty="0">
                 <a:solidFill>
-                  <a:srgbClr val="212121"/>
+                  <a:srgbClr val="1F1F1F"/>
                 </a:solidFill>
                 <a:effectLst/>
-                <a:latin typeface="Cambria" panose="02040503050406030204" pitchFamily="18" charset="0"/>
-              </a:rPr>
-              <a:t>Not sure if ICB no colitis had other </a:t>
-            </a:r>
-            <a:r>
-              <a:rPr lang="en-US" b="0" i="0" u="none" strike="noStrike" dirty="0" err="1">
-                <a:solidFill>
-                  <a:srgbClr val="212121"/>
-                </a:solidFill>
-                <a:effectLst/>
-                <a:latin typeface="Cambria" panose="02040503050406030204" pitchFamily="18" charset="0"/>
-              </a:rPr>
-              <a:t>irAEs</a:t>
-            </a:r>
-            <a:r>
-              <a:rPr lang="en-US" b="0" i="0" u="none" strike="noStrike" dirty="0">
-                <a:solidFill>
-                  <a:srgbClr val="212121"/>
-                </a:solidFill>
-                <a:effectLst/>
-                <a:latin typeface="Cambria" panose="02040503050406030204" pitchFamily="18" charset="0"/>
-              </a:rPr>
-              <a:t>… doesn’t matter as much probably given sampling from colon</a:t>
+                <a:latin typeface="ElsevierGulliver"/>
+              </a:rPr>
+              <a:t> transcriptional signature may be unique to tumor reactive PBMCs!</a:t>
             </a:r>
           </a:p>
           <a:p>
             <a:endParaRPr lang="en-US" b="0" i="0" u="none" strike="noStrike" dirty="0">
               <a:solidFill>
-                <a:srgbClr val="212121"/>
+                <a:srgbClr val="1F1F1F"/>
               </a:solidFill>
               <a:effectLst/>
-              <a:latin typeface="Cambria" panose="02040503050406030204" pitchFamily="18" charset="0"/>
+              <a:latin typeface="ElsevierGulliver"/>
             </a:endParaRPr>
           </a:p>
           <a:p>
-            <a:r>
-              <a:rPr lang="en-US" b="0" i="0" u="none" strike="noStrike" dirty="0">
-                <a:solidFill>
-                  <a:srgbClr val="212121"/>
+            <a:pPr marL="0" marR="0" lvl="0" indent="0" algn="l" defTabSz="914400" rtl="0" eaLnBrk="1" fontAlgn="auto" latinLnBrk="0" hangingPunct="1">
+              <a:lnSpc>
+                <a:spcPct val="100000"/>
+              </a:lnSpc>
+              <a:spcBef>
+                <a:spcPts val="0"/>
+              </a:spcBef>
+              <a:spcAft>
+                <a:spcPts val="0"/>
+              </a:spcAft>
+              <a:buClrTx/>
+              <a:buSzTx/>
+              <a:buFontTx/>
+              <a:buNone/>
+              <a:tabLst/>
+              <a:defRPr/>
+            </a:pPr>
+            <a:r>
+              <a:rPr lang="en-US" b="0" dirty="0">
+                <a:solidFill>
+                  <a:srgbClr val="CCCCCC"/>
                 </a:solidFill>
                 <a:effectLst/>
-                <a:latin typeface="Cambria" panose="02040503050406030204" pitchFamily="18" charset="0"/>
-              </a:rPr>
-              <a:t>ICB no colitis: CPI-treated melanoma patients who underwent endoscopic evaluation for suspected +CPI colitis but were found to have normal colonic mucosa both endoscopically and histologically (n=6, +CPI no-colitis) (</a:t>
-            </a:r>
-            <a:r>
-              <a:rPr lang="en-US" b="0" i="0" u="sng" dirty="0">
-                <a:solidFill>
-                  <a:srgbClr val="4C2C92"/>
-                </a:solidFill>
-                <a:effectLst/>
-                <a:latin typeface="Cambria" panose="02040503050406030204" pitchFamily="18" charset="0"/>
-                <a:hlinkClick r:id="rId3"/>
-              </a:rPr>
-              <a:t>Figure 1B</a:t>
-            </a:r>
-            <a:r>
-              <a:rPr lang="en-US" b="0" i="0" u="none" strike="noStrike" dirty="0">
-                <a:solidFill>
-                  <a:srgbClr val="212121"/>
-                </a:solidFill>
-                <a:effectLst/>
-                <a:latin typeface="Cambria" panose="02040503050406030204" pitchFamily="18" charset="0"/>
-              </a:rPr>
-              <a:t>). This group of drug-exposed patients without colitis was evenly split between patients who had or did not have inflammation of the small intestine (enteritis)</a:t>
-            </a:r>
-          </a:p>
-          <a:p>
-            <a:endParaRPr lang="en-US" b="0" i="0" u="none" strike="noStrike" dirty="0">
-              <a:solidFill>
-                <a:srgbClr val="212121"/>
-              </a:solidFill>
-              <a:effectLst/>
-              <a:latin typeface="Cambria" panose="02040503050406030204" pitchFamily="18" charset="0"/>
-            </a:endParaRPr>
-          </a:p>
-          <a:p>
-            <a:r>
-              <a:rPr lang="en-US" b="0" i="0" u="none" strike="noStrike" dirty="0">
-                <a:solidFill>
-                  <a:srgbClr val="E2EEFF"/>
-                </a:solidFill>
-                <a:effectLst/>
-                <a:latin typeface="Google Sans"/>
-              </a:rPr>
-              <a:t>Enteritis is inflammation of the small intestine, while colitis is inflammation of the colon</a:t>
-            </a:r>
-            <a:endParaRPr lang="en-US" b="0" i="0" u="none" strike="noStrike" dirty="0">
-              <a:solidFill>
-                <a:srgbClr val="212121"/>
-              </a:solidFill>
-              <a:effectLst/>
-              <a:latin typeface="Cambria" panose="02040503050406030204" pitchFamily="18" charset="0"/>
-            </a:endParaRPr>
+                <a:latin typeface="Menlo" panose="020B0609030804020204" pitchFamily="49" charset="0"/>
+              </a:rPr>
+              <a:t>circulating tumor reactive T cells: lower expression of cytotoxic molecules, higher expression of T cell activation genes, memory quiescence, tissue residency, inhibitory markers</a:t>
+            </a:r>
           </a:p>
         </p:txBody>
       </p:sp>
@@ -977,7 +899,7 @@
     </p:spTree>
     <p:extLst>
       <p:ext uri="{BB962C8B-B14F-4D97-AF65-F5344CB8AC3E}">
-        <p14:creationId xmlns:p14="http://schemas.microsoft.com/office/powerpoint/2010/main" val="3765288525"/>
+        <p14:creationId xmlns:p14="http://schemas.microsoft.com/office/powerpoint/2010/main" val="3816453734"/>
       </p:ext>
     </p:extLst>
   </p:cSld>
@@ -1031,6 +953,270 @@
           <a:bodyPr/>
           <a:lstStyle/>
           <a:p>
+            <a:r>
+              <a:rPr lang="en-US" b="0" dirty="0">
+                <a:solidFill>
+                  <a:srgbClr val="CCCCCC"/>
+                </a:solidFill>
+                <a:effectLst/>
+                <a:latin typeface="Menlo" panose="020B0609030804020204" pitchFamily="49" charset="0"/>
+              </a:rPr>
+              <a:t>F</a:t>
+            </a:r>
+            <a:r>
+              <a:rPr lang="en-US" b="0" i="0" dirty="0">
+                <a:solidFill>
+                  <a:srgbClr val="D1D2D3"/>
+                </a:solidFill>
+                <a:effectLst/>
+                <a:latin typeface="Slack-Lato"/>
+              </a:rPr>
+              <a:t>low/cytometry instead of RNA I think for vitiligo dataset</a:t>
+            </a:r>
+          </a:p>
+          <a:p>
+            <a:endParaRPr lang="en-US" b="0" i="0" dirty="0">
+              <a:solidFill>
+                <a:srgbClr val="D1D2D3"/>
+              </a:solidFill>
+              <a:effectLst/>
+              <a:latin typeface="Slack-Lato"/>
+            </a:endParaRPr>
+          </a:p>
+          <a:p>
+            <a:pPr marL="0" marR="0" lvl="0" indent="0" algn="l" defTabSz="914400" rtl="0" eaLnBrk="1" fontAlgn="auto" latinLnBrk="0" hangingPunct="1">
+              <a:lnSpc>
+                <a:spcPct val="100000"/>
+              </a:lnSpc>
+              <a:spcBef>
+                <a:spcPts val="0"/>
+              </a:spcBef>
+              <a:spcAft>
+                <a:spcPts val="0"/>
+              </a:spcAft>
+              <a:buClrTx/>
+              <a:buSzTx/>
+              <a:buFontTx/>
+              <a:buNone/>
+              <a:tabLst/>
+              <a:defRPr/>
+            </a:pPr>
+            <a:r>
+              <a:rPr lang="en-US" b="0" dirty="0">
+                <a:solidFill>
+                  <a:srgbClr val="569CD6"/>
+                </a:solidFill>
+                <a:effectLst/>
+                <a:latin typeface="Menlo" panose="020B0609030804020204" pitchFamily="49" charset="0"/>
+              </a:rPr>
+              <a:t>they usually find different TCR sequences in vitiligo and primary melanoma lesions, so T cell response against normal melanocytes leading to vitiligo is not usually mediated by reactivation of T cell clones infiltrating/specific to primary melanoma but rather perhaps by T cells targeting metastatic tissues, so kind of different from my thinking of usually </a:t>
+            </a:r>
+            <a:r>
+              <a:rPr lang="en-US" b="0" dirty="0" err="1">
+                <a:solidFill>
+                  <a:srgbClr val="569CD6"/>
+                </a:solidFill>
+                <a:effectLst/>
+                <a:latin typeface="Menlo" panose="020B0609030804020204" pitchFamily="49" charset="0"/>
+              </a:rPr>
+              <a:t>crossreactivity</a:t>
+            </a:r>
+            <a:r>
+              <a:rPr lang="en-US" b="0" dirty="0">
+                <a:solidFill>
+                  <a:srgbClr val="569CD6"/>
+                </a:solidFill>
+                <a:effectLst/>
+                <a:latin typeface="Menlo" panose="020B0609030804020204" pitchFamily="49" charset="0"/>
+              </a:rPr>
+              <a:t> between primary tumor and </a:t>
+            </a:r>
+            <a:r>
+              <a:rPr lang="en-US" b="0" dirty="0" err="1">
+                <a:solidFill>
+                  <a:srgbClr val="569CD6"/>
+                </a:solidFill>
+                <a:effectLst/>
+                <a:latin typeface="Menlo" panose="020B0609030804020204" pitchFamily="49" charset="0"/>
+              </a:rPr>
+              <a:t>irAE</a:t>
+            </a:r>
+            <a:r>
+              <a:rPr lang="en-US" b="0" dirty="0">
+                <a:solidFill>
+                  <a:srgbClr val="569CD6"/>
+                </a:solidFill>
+                <a:effectLst/>
+                <a:latin typeface="Menlo" panose="020B0609030804020204" pitchFamily="49" charset="0"/>
+              </a:rPr>
+              <a:t> site but could also be </a:t>
+            </a:r>
+            <a:r>
+              <a:rPr lang="en-US" b="0" dirty="0" err="1">
+                <a:solidFill>
+                  <a:srgbClr val="569CD6"/>
+                </a:solidFill>
+                <a:effectLst/>
+                <a:latin typeface="Menlo" panose="020B0609030804020204" pitchFamily="49" charset="0"/>
+              </a:rPr>
+              <a:t>crossreactivity</a:t>
+            </a:r>
+            <a:r>
+              <a:rPr lang="en-US" b="0" dirty="0">
+                <a:solidFill>
+                  <a:srgbClr val="569CD6"/>
+                </a:solidFill>
+                <a:effectLst/>
+                <a:latin typeface="Menlo" panose="020B0609030804020204" pitchFamily="49" charset="0"/>
+              </a:rPr>
+              <a:t> between metastases and </a:t>
+            </a:r>
+            <a:r>
+              <a:rPr lang="en-US" b="0" dirty="0" err="1">
+                <a:solidFill>
+                  <a:srgbClr val="569CD6"/>
+                </a:solidFill>
+                <a:effectLst/>
+                <a:latin typeface="Menlo" panose="020B0609030804020204" pitchFamily="49" charset="0"/>
+              </a:rPr>
+              <a:t>irAE</a:t>
+            </a:r>
+            <a:r>
+              <a:rPr lang="en-US" b="0" dirty="0">
+                <a:solidFill>
+                  <a:srgbClr val="569CD6"/>
+                </a:solidFill>
+                <a:effectLst/>
+                <a:latin typeface="Menlo" panose="020B0609030804020204" pitchFamily="49" charset="0"/>
+              </a:rPr>
+              <a:t> sites</a:t>
+            </a:r>
+            <a:endParaRPr lang="en-US" b="0" dirty="0">
+              <a:solidFill>
+                <a:srgbClr val="CCCCCC"/>
+              </a:solidFill>
+              <a:effectLst/>
+              <a:latin typeface="Menlo" panose="020B0609030804020204" pitchFamily="49" charset="0"/>
+            </a:endParaRPr>
+          </a:p>
+          <a:p>
+            <a:pPr marL="0" marR="0" lvl="0" indent="0" algn="l" defTabSz="914400" rtl="0" eaLnBrk="1" fontAlgn="auto" latinLnBrk="0" hangingPunct="1">
+              <a:lnSpc>
+                <a:spcPct val="100000"/>
+              </a:lnSpc>
+              <a:spcBef>
+                <a:spcPts val="0"/>
+              </a:spcBef>
+              <a:spcAft>
+                <a:spcPts val="0"/>
+              </a:spcAft>
+              <a:buClrTx/>
+              <a:buSzTx/>
+              <a:buFontTx/>
+              <a:buNone/>
+              <a:tabLst/>
+              <a:defRPr/>
+            </a:pPr>
+            <a:r>
+              <a:rPr lang="en-US" b="0" dirty="0">
+                <a:solidFill>
+                  <a:srgbClr val="569CD6"/>
+                </a:solidFill>
+                <a:effectLst/>
+                <a:latin typeface="Menlo" panose="020B0609030804020204" pitchFamily="49" charset="0"/>
+              </a:rPr>
+              <a:t>metastasis and vitiligo sample TCRs more similar than primary melanoma and vitiligo TCRs</a:t>
+            </a:r>
+            <a:endParaRPr lang="en-US" b="0" dirty="0">
+              <a:solidFill>
+                <a:srgbClr val="CCCCCC"/>
+              </a:solidFill>
+              <a:effectLst/>
+              <a:latin typeface="Menlo" panose="020B0609030804020204" pitchFamily="49" charset="0"/>
+            </a:endParaRPr>
+          </a:p>
+        </p:txBody>
+      </p:sp>
+      <p:sp>
+        <p:nvSpPr>
+          <p:cNvPr id="4" name="Slide Number Placeholder 3"/>
+          <p:cNvSpPr>
+            <a:spLocks noGrp="1"/>
+          </p:cNvSpPr>
+          <p:nvPr>
+            <p:ph type="sldNum" sz="quarter" idx="5"/>
+          </p:nvPr>
+        </p:nvSpPr>
+        <p:spPr/>
+        <p:txBody>
+          <a:bodyPr/>
+          <a:lstStyle/>
+          <a:p>
+            <a:fld id="{061BAA8C-FDC6-D345-B4E0-3B02449209FB}" type="slidenum">
+              <a:rPr lang="en-US" smtClean="0"/>
+              <a:t>12</a:t>
+            </a:fld>
+            <a:endParaRPr lang="en-US"/>
+          </a:p>
+        </p:txBody>
+      </p:sp>
+    </p:spTree>
+    <p:extLst>
+      <p:ext uri="{BB962C8B-B14F-4D97-AF65-F5344CB8AC3E}">
+        <p14:creationId xmlns:p14="http://schemas.microsoft.com/office/powerpoint/2010/main" val="3655689597"/>
+      </p:ext>
+    </p:extLst>
+  </p:cSld>
+  <p:clrMapOvr>
+    <a:masterClrMapping/>
+  </p:clrMapOvr>
+</p:notes>
+</file>
+
+<file path=ppt/notesSlides/notesSlide13.xml><?xml version="1.0" encoding="utf-8"?>
+<p:notes xmlns:a="http://schemas.openxmlformats.org/drawingml/2006/main" xmlns:r="http://schemas.openxmlformats.org/officeDocument/2006/relationships" xmlns:p="http://schemas.openxmlformats.org/presentationml/2006/main">
+  <p:cSld>
+    <p:spTree>
+      <p:nvGrpSpPr>
+        <p:cNvPr id="1" name=""/>
+        <p:cNvGrpSpPr/>
+        <p:nvPr/>
+      </p:nvGrpSpPr>
+      <p:grpSpPr>
+        <a:xfrm>
+          <a:off x="0" y="0"/>
+          <a:ext cx="0" cy="0"/>
+          <a:chOff x="0" y="0"/>
+          <a:chExt cx="0" cy="0"/>
+        </a:xfrm>
+      </p:grpSpPr>
+      <p:sp>
+        <p:nvSpPr>
+          <p:cNvPr id="2" name="Slide Image Placeholder 1"/>
+          <p:cNvSpPr>
+            <a:spLocks noGrp="1" noRot="1" noChangeAspect="1"/>
+          </p:cNvSpPr>
+          <p:nvPr>
+            <p:ph type="sldImg"/>
+          </p:nvPr>
+        </p:nvSpPr>
+        <p:spPr/>
+      </p:sp>
+      <p:sp>
+        <p:nvSpPr>
+          <p:cNvPr id="3" name="Notes Placeholder 2"/>
+          <p:cNvSpPr>
+            <a:spLocks noGrp="1"/>
+          </p:cNvSpPr>
+          <p:nvPr>
+            <p:ph type="body" idx="1"/>
+          </p:nvPr>
+        </p:nvSpPr>
+        <p:spPr/>
+        <p:txBody>
+          <a:bodyPr/>
+          <a:lstStyle/>
+          <a:p>
             <a:pPr marL="0" marR="0" lvl="0" indent="0" algn="l" defTabSz="914400" rtl="0" eaLnBrk="1" fontAlgn="auto" latinLnBrk="0" hangingPunct="1">
               <a:lnSpc>
                 <a:spcPct val="100000"/>
@@ -1075,7 +1261,7 @@
           <a:p>
             <a:fld id="{061BAA8C-FDC6-D345-B4E0-3B02449209FB}" type="slidenum">
               <a:rPr lang="en-US" smtClean="0"/>
-              <a:t>12</a:t>
+              <a:t>13</a:t>
             </a:fld>
             <a:endParaRPr lang="en-US"/>
           </a:p>
@@ -2355,7 +2541,157 @@
           <a:bodyPr/>
           <a:lstStyle/>
           <a:p>
-            <a:endParaRPr lang="en-US" dirty="0"/>
+            <a:r>
+              <a:rPr lang="en-US" b="0" i="0" u="none" strike="noStrike" dirty="0">
+                <a:solidFill>
+                  <a:srgbClr val="212121"/>
+                </a:solidFill>
+                <a:effectLst/>
+                <a:latin typeface="Cambria" panose="02040503050406030204" pitchFamily="18" charset="0"/>
+              </a:rPr>
+              <a:t>Context of BRI/</a:t>
+            </a:r>
+            <a:r>
+              <a:rPr lang="en-US" b="0" i="0" u="none" strike="noStrike" dirty="0" err="1">
+                <a:solidFill>
+                  <a:srgbClr val="212121"/>
+                </a:solidFill>
+                <a:effectLst/>
+                <a:latin typeface="Cambria" panose="02040503050406030204" pitchFamily="18" charset="0"/>
+              </a:rPr>
+              <a:t>VDJdb</a:t>
+            </a:r>
+            <a:r>
+              <a:rPr lang="en-US" b="0" i="0" u="none" strike="noStrike" dirty="0">
+                <a:solidFill>
+                  <a:srgbClr val="212121"/>
+                </a:solidFill>
+                <a:effectLst/>
+                <a:latin typeface="Cambria" panose="02040503050406030204" pitchFamily="18" charset="0"/>
+              </a:rPr>
+              <a:t> data…</a:t>
+            </a:r>
+          </a:p>
+          <a:p>
+            <a:endParaRPr lang="en-US" b="0" i="0" u="none" strike="noStrike" dirty="0">
+              <a:solidFill>
+                <a:srgbClr val="212121"/>
+              </a:solidFill>
+              <a:effectLst/>
+              <a:latin typeface="Cambria" panose="02040503050406030204" pitchFamily="18" charset="0"/>
+            </a:endParaRPr>
+          </a:p>
+          <a:p>
+            <a:r>
+              <a:rPr lang="en-US" b="0" i="0" u="none" strike="noStrike" dirty="0">
+                <a:solidFill>
+                  <a:srgbClr val="212121"/>
+                </a:solidFill>
+                <a:effectLst/>
+                <a:latin typeface="Cambria" panose="02040503050406030204" pitchFamily="18" charset="0"/>
+              </a:rPr>
+              <a:t>Public/shorter CD8 TRAs/higher </a:t>
+            </a:r>
+            <a:r>
+              <a:rPr lang="en-US" b="0" i="0" u="none" strike="noStrike" dirty="0" err="1">
+                <a:solidFill>
+                  <a:srgbClr val="212121"/>
+                </a:solidFill>
+                <a:effectLst/>
+                <a:latin typeface="Cambria" panose="02040503050406030204" pitchFamily="18" charset="0"/>
+              </a:rPr>
+              <a:t>pgen</a:t>
+            </a:r>
+            <a:r>
+              <a:rPr lang="en-US" b="0" i="0" u="none" strike="noStrike" dirty="0">
+                <a:solidFill>
+                  <a:srgbClr val="212121"/>
+                </a:solidFill>
+                <a:effectLst/>
+                <a:latin typeface="Cambria" panose="02040503050406030204" pitchFamily="18" charset="0"/>
+              </a:rPr>
+              <a:t> expected more </a:t>
+            </a:r>
+            <a:r>
+              <a:rPr lang="en-US" b="0" i="0" u="none" strike="noStrike" dirty="0" err="1">
+                <a:solidFill>
+                  <a:srgbClr val="212121"/>
+                </a:solidFill>
+                <a:effectLst/>
+                <a:latin typeface="Cambria" panose="02040503050406030204" pitchFamily="18" charset="0"/>
+              </a:rPr>
+              <a:t>crossreactive</a:t>
+            </a:r>
+            <a:r>
+              <a:rPr lang="en-US" b="0" i="0" u="none" strike="noStrike" dirty="0">
+                <a:solidFill>
+                  <a:srgbClr val="212121"/>
+                </a:solidFill>
+                <a:effectLst/>
+                <a:latin typeface="Cambria" panose="02040503050406030204" pitchFamily="18" charset="0"/>
+              </a:rPr>
+              <a:t> from BRI/</a:t>
+            </a:r>
+            <a:r>
+              <a:rPr lang="en-US" b="0" i="0" u="none" strike="noStrike" dirty="0" err="1">
+                <a:solidFill>
+                  <a:srgbClr val="212121"/>
+                </a:solidFill>
+                <a:effectLst/>
+                <a:latin typeface="Cambria" panose="02040503050406030204" pitchFamily="18" charset="0"/>
+              </a:rPr>
+              <a:t>VDJdb</a:t>
+            </a:r>
+            <a:r>
+              <a:rPr lang="en-US" b="0" i="0" u="none" strike="noStrike" dirty="0">
+                <a:solidFill>
+                  <a:srgbClr val="212121"/>
+                </a:solidFill>
+                <a:effectLst/>
+                <a:latin typeface="Cambria" panose="02040503050406030204" pitchFamily="18" charset="0"/>
+              </a:rPr>
+              <a:t> data... (</a:t>
+            </a:r>
+            <a:r>
+              <a:rPr lang="en-US" b="0" i="0" u="none" strike="noStrike" dirty="0" err="1">
+                <a:solidFill>
+                  <a:srgbClr val="212121"/>
+                </a:solidFill>
+                <a:effectLst/>
+                <a:latin typeface="Cambria" panose="02040503050406030204" pitchFamily="18" charset="0"/>
+              </a:rPr>
+              <a:t>VDJdb</a:t>
+            </a:r>
+            <a:r>
+              <a:rPr lang="en-US" b="0" i="0" u="none" strike="noStrike" dirty="0">
+                <a:solidFill>
+                  <a:srgbClr val="212121"/>
+                </a:solidFill>
+                <a:effectLst/>
+                <a:latin typeface="Cambria" panose="02040503050406030204" pitchFamily="18" charset="0"/>
+              </a:rPr>
+              <a:t> not </a:t>
+            </a:r>
+            <a:r>
+              <a:rPr lang="en-US" b="0" i="0" u="none" strike="noStrike" dirty="0" err="1">
+                <a:solidFill>
+                  <a:srgbClr val="212121"/>
+                </a:solidFill>
+                <a:effectLst/>
+                <a:latin typeface="Cambria" panose="02040503050406030204" pitchFamily="18" charset="0"/>
+              </a:rPr>
+              <a:t>pgen</a:t>
+            </a:r>
+            <a:r>
+              <a:rPr lang="en-US" b="0" i="0" u="none" strike="noStrike" dirty="0">
+                <a:solidFill>
+                  <a:srgbClr val="212121"/>
+                </a:solidFill>
+                <a:effectLst/>
+                <a:latin typeface="Cambria" panose="02040503050406030204" pitchFamily="18" charset="0"/>
+              </a:rPr>
+              <a:t>, BRI all 3)</a:t>
+            </a:r>
           </a:p>
         </p:txBody>
       </p:sp>
@@ -2385,7 +2721,7 @@
     </p:spTree>
     <p:extLst>
       <p:ext uri="{BB962C8B-B14F-4D97-AF65-F5344CB8AC3E}">
-        <p14:creationId xmlns:p14="http://schemas.microsoft.com/office/powerpoint/2010/main" val="3760534543"/>
+        <p14:creationId xmlns:p14="http://schemas.microsoft.com/office/powerpoint/2010/main" val="1389899513"/>
       </p:ext>
     </p:extLst>
   </p:cSld>
@@ -2439,78 +2775,7 @@
           <a:bodyPr/>
           <a:lstStyle/>
           <a:p>
-            <a:r>
-              <a:rPr lang="en-US" dirty="0"/>
-              <a:t>Seems as though this </a:t>
-            </a:r>
-            <a:r>
-              <a:rPr lang="en-US" b="0" i="0" u="none" strike="noStrike" dirty="0" err="1">
-                <a:solidFill>
-                  <a:srgbClr val="1F1F1F"/>
-                </a:solidFill>
-                <a:effectLst/>
-                <a:latin typeface="ElsevierGulliver"/>
-              </a:rPr>
-              <a:t>NeoTCR</a:t>
-            </a:r>
-            <a:r>
-              <a:rPr lang="en-US" b="0" i="0" u="none" strike="noStrike" baseline="-25000" dirty="0" err="1">
-                <a:solidFill>
-                  <a:srgbClr val="1F1F1F"/>
-                </a:solidFill>
-                <a:effectLst/>
-                <a:latin typeface="ElsevierGulliver"/>
-              </a:rPr>
-              <a:t>PBL</a:t>
-            </a:r>
-            <a:r>
-              <a:rPr lang="en-US" b="0" i="0" u="none" strike="noStrike" dirty="0">
-                <a:solidFill>
-                  <a:srgbClr val="1F1F1F"/>
-                </a:solidFill>
-                <a:effectLst/>
-                <a:latin typeface="ElsevierGulliver"/>
-              </a:rPr>
-              <a:t> transcriptional signature may be unique to tumor reactive PBMCs!</a:t>
-            </a:r>
-          </a:p>
-          <a:p>
-            <a:endParaRPr lang="en-US" b="0" i="0" u="none" strike="noStrike" dirty="0">
-              <a:solidFill>
-                <a:srgbClr val="1F1F1F"/>
-              </a:solidFill>
-              <a:effectLst/>
-              <a:latin typeface="ElsevierGulliver"/>
-            </a:endParaRPr>
-          </a:p>
-          <a:p>
-            <a:pPr marL="0" marR="0" lvl="0" indent="0" algn="l" defTabSz="914400" rtl="0" eaLnBrk="1" fontAlgn="auto" latinLnBrk="0" hangingPunct="1">
-              <a:lnSpc>
-                <a:spcPct val="100000"/>
-              </a:lnSpc>
-              <a:spcBef>
-                <a:spcPts val="0"/>
-              </a:spcBef>
-              <a:spcAft>
-                <a:spcPts val="0"/>
-              </a:spcAft>
-              <a:buClrTx/>
-              <a:buSzTx/>
-              <a:buFontTx/>
-              <a:buNone/>
-              <a:tabLst/>
-              <a:defRPr/>
-            </a:pPr>
-            <a:r>
-              <a:rPr lang="en-US" b="0" dirty="0">
-                <a:solidFill>
-                  <a:srgbClr val="CCCCCC"/>
-                </a:solidFill>
-                <a:effectLst/>
-                <a:latin typeface="Menlo" panose="020B0609030804020204" pitchFamily="49" charset="0"/>
-              </a:rPr>
-              <a:t>circulating tumor reactive T cells: lower expression of cytotoxic molecules, higher expression of T cell activation genes, memory quiescence, tissue residency, inhibitory markers</a:t>
-            </a:r>
+            <a:endParaRPr lang="en-US" dirty="0"/>
           </a:p>
         </p:txBody>
       </p:sp>
@@ -2540,7 +2805,7 @@
     </p:spTree>
     <p:extLst>
       <p:ext uri="{BB962C8B-B14F-4D97-AF65-F5344CB8AC3E}">
-        <p14:creationId xmlns:p14="http://schemas.microsoft.com/office/powerpoint/2010/main" val="1176439996"/>
+        <p14:creationId xmlns:p14="http://schemas.microsoft.com/office/powerpoint/2010/main" val="3760534543"/>
       </p:ext>
     </p:extLst>
   </p:cSld>
@@ -5910,7 +6175,7 @@
           <a:p>
             <a:r>
               <a:rPr lang="en-US" dirty="0"/>
-              <a:t>Conclusions</a:t>
+              <a:t>New dataset</a:t>
             </a:r>
           </a:p>
         </p:txBody>
@@ -5933,57 +6198,214 @@
         </p:nvSpPr>
         <p:spPr>
           <a:xfrm>
-            <a:off x="838200" y="1919289"/>
-            <a:ext cx="10515600" cy="4623402"/>
+            <a:off x="838199" y="1919288"/>
+            <a:ext cx="4820921" cy="4268152"/>
           </a:xfrm>
         </p:spPr>
         <p:txBody>
           <a:bodyPr>
-            <a:normAutofit/>
+            <a:normAutofit fontScale="92500" lnSpcReduction="10000"/>
           </a:bodyPr>
           <a:lstStyle/>
           <a:p>
             <a:r>
-              <a:rPr lang="en-US" dirty="0"/>
-              <a:t>Within highly expanded CD8 TEMs in those developing </a:t>
-            </a:r>
-            <a:r>
-              <a:rPr lang="en-US" dirty="0" err="1"/>
-              <a:t>irAEs</a:t>
-            </a:r>
-            <a:r>
-              <a:rPr lang="en-US" dirty="0"/>
-              <a:t>…</a:t>
+              <a:rPr lang="en-US" b="0" i="0" u="none" strike="noStrike" dirty="0">
+                <a:solidFill>
+                  <a:srgbClr val="212121"/>
+                </a:solidFill>
+                <a:effectLst/>
+              </a:rPr>
+              <a:t>Colitis dataset: </a:t>
+            </a:r>
+            <a:r>
+              <a:rPr lang="en-US" b="0" u="none" strike="noStrike" dirty="0">
+                <a:solidFill>
+                  <a:srgbClr val="212121"/>
+                </a:solidFill>
+                <a:effectLst/>
+              </a:rPr>
+              <a:t>Molecular Pathways of Colon Inflammation Induced by Cancer Immunotherapy (</a:t>
+            </a:r>
+            <a:r>
+              <a:rPr lang="en-US" b="0" i="1" u="none" strike="noStrike" dirty="0">
+                <a:solidFill>
+                  <a:srgbClr val="212121"/>
+                </a:solidFill>
+                <a:effectLst/>
+              </a:rPr>
+              <a:t>Cell</a:t>
+            </a:r>
+            <a:r>
+              <a:rPr lang="en-US" b="0" u="none" strike="noStrike" dirty="0">
+                <a:solidFill>
+                  <a:srgbClr val="212121"/>
+                </a:solidFill>
+                <a:effectLst/>
+              </a:rPr>
+              <a:t>, 2020)</a:t>
             </a:r>
           </a:p>
           <a:p>
             <a:pPr lvl="1"/>
             <a:r>
-              <a:rPr lang="en-US" dirty="0"/>
-              <a:t>less </a:t>
-            </a:r>
-            <a:r>
-              <a:rPr lang="en-US" dirty="0" err="1"/>
-              <a:t>germlike</a:t>
-            </a:r>
-            <a:r>
-              <a:rPr lang="en-US" dirty="0"/>
-              <a:t>-like TRBs (solid)</a:t>
+              <a:rPr lang="en-US" dirty="0">
+                <a:solidFill>
+                  <a:srgbClr val="212121"/>
+                </a:solidFill>
+              </a:rPr>
+              <a:t>HC: n = 8 (CT group)</a:t>
             </a:r>
           </a:p>
           <a:p>
             <a:pPr lvl="1"/>
             <a:r>
-              <a:rPr lang="en-US" dirty="0"/>
-              <a:t>slightly longer CDR3Bs (less solid)</a:t>
-            </a:r>
-          </a:p>
-        </p:txBody>
-      </p:sp>
+              <a:rPr lang="en-US" b="0" u="none" strike="noStrike" dirty="0">
+                <a:solidFill>
+                  <a:srgbClr val="212121"/>
+                </a:solidFill>
+                <a:effectLst/>
+              </a:rPr>
+              <a:t>ICB no colitis: n = 6 (NC group)</a:t>
+            </a:r>
+          </a:p>
+          <a:p>
+            <a:pPr lvl="2"/>
+            <a:r>
+              <a:rPr lang="en-US" dirty="0">
+                <a:solidFill>
+                  <a:srgbClr val="212121"/>
+                </a:solidFill>
+              </a:rPr>
+              <a:t>3 enteritis</a:t>
+            </a:r>
+          </a:p>
+          <a:p>
+            <a:pPr lvl="2"/>
+            <a:r>
+              <a:rPr lang="en-US" dirty="0">
+                <a:solidFill>
+                  <a:srgbClr val="212121"/>
+                </a:solidFill>
+              </a:rPr>
+              <a:t>3 no intestinal inflammation</a:t>
+            </a:r>
+            <a:endParaRPr lang="en-US" b="0" u="none" strike="noStrike" dirty="0">
+              <a:solidFill>
+                <a:srgbClr val="212121"/>
+              </a:solidFill>
+              <a:effectLst/>
+            </a:endParaRPr>
+          </a:p>
+          <a:p>
+            <a:pPr lvl="1"/>
+            <a:r>
+              <a:rPr lang="en-US" dirty="0">
+                <a:solidFill>
+                  <a:srgbClr val="212121"/>
+                </a:solidFill>
+              </a:rPr>
+              <a:t>ICB colitis: n = 8 (C group)</a:t>
+            </a:r>
+          </a:p>
+          <a:p>
+            <a:pPr lvl="2"/>
+            <a:r>
+              <a:rPr lang="en-US" dirty="0">
+                <a:solidFill>
+                  <a:srgbClr val="212121"/>
+                </a:solidFill>
+              </a:rPr>
+              <a:t>5 enterocolitis</a:t>
+            </a:r>
+          </a:p>
+          <a:p>
+            <a:pPr lvl="2"/>
+            <a:r>
+              <a:rPr lang="en-US" dirty="0">
+                <a:solidFill>
+                  <a:srgbClr val="212121"/>
+                </a:solidFill>
+              </a:rPr>
+              <a:t>3 colitis</a:t>
+            </a:r>
+          </a:p>
+          <a:p>
+            <a:pPr lvl="1"/>
+            <a:r>
+              <a:rPr lang="en-US" dirty="0">
+                <a:solidFill>
+                  <a:srgbClr val="212121"/>
+                </a:solidFill>
+              </a:rPr>
+              <a:t>Expecting more T cells in healthy colon than healthy thyroid</a:t>
+            </a:r>
+          </a:p>
+        </p:txBody>
+      </p:sp>
+      <p:pic>
+        <p:nvPicPr>
+          <p:cNvPr id="7" name="Picture 6">
+            <a:extLst>
+              <a:ext uri="{FF2B5EF4-FFF2-40B4-BE49-F238E27FC236}">
+                <a16:creationId xmlns:a16="http://schemas.microsoft.com/office/drawing/2014/main" id="{9E2A089B-B032-A91B-9BA2-1C2EFBE34E06}"/>
+              </a:ext>
+            </a:extLst>
+          </p:cNvPr>
+          <p:cNvPicPr>
+            <a:picLocks noChangeAspect="1"/>
+          </p:cNvPicPr>
+          <p:nvPr/>
+        </p:nvPicPr>
+        <p:blipFill>
+          <a:blip r:embed="rId3"/>
+          <a:stretch>
+            <a:fillRect/>
+          </a:stretch>
+        </p:blipFill>
+        <p:spPr>
+          <a:xfrm>
+            <a:off x="5496560" y="1919288"/>
+            <a:ext cx="5410200" cy="3581400"/>
+          </a:xfrm>
+          <a:prstGeom prst="rect">
+            <a:avLst/>
+          </a:prstGeom>
+        </p:spPr>
+      </p:pic>
+      <p:pic>
+        <p:nvPicPr>
+          <p:cNvPr id="4" name="Picture 3">
+            <a:extLst>
+              <a:ext uri="{FF2B5EF4-FFF2-40B4-BE49-F238E27FC236}">
+                <a16:creationId xmlns:a16="http://schemas.microsoft.com/office/drawing/2014/main" id="{A2001CE5-7C04-60B4-7F38-F39F983932A8}"/>
+              </a:ext>
+            </a:extLst>
+          </p:cNvPr>
+          <p:cNvPicPr>
+            <a:picLocks noChangeAspect="1"/>
+          </p:cNvPicPr>
+          <p:nvPr/>
+        </p:nvPicPr>
+        <p:blipFill>
+          <a:blip r:embed="rId4"/>
+          <a:stretch>
+            <a:fillRect/>
+          </a:stretch>
+        </p:blipFill>
+        <p:spPr>
+          <a:xfrm>
+            <a:off x="10439400" y="0"/>
+            <a:ext cx="1723920" cy="6858000"/>
+          </a:xfrm>
+          <a:prstGeom prst="rect">
+            <a:avLst/>
+          </a:prstGeom>
+        </p:spPr>
+      </p:pic>
     </p:spTree>
     <p:extLst>
       <p:ext uri="{BB962C8B-B14F-4D97-AF65-F5344CB8AC3E}">
-        <p14:creationId xmlns:p14="http://schemas.microsoft.com/office/powerpoint/2010/main" val="3471206217"/>
+        <p14:creationId xmlns:p14="http://schemas.microsoft.com/office/powerpoint/2010/main" val="1593291577"/>
       </p:ext>
     </p:extLst>
   </p:cSld>
@@ -6040,7 +6462,15 @@
           <a:p>
             <a:r>
               <a:rPr lang="en-US" dirty="0"/>
-              <a:t>Next steps</a:t>
+              <a:t>Phenotypic signatures of circulating neoantigen-reactive CD8</a:t>
+            </a:r>
+            <a:r>
+              <a:rPr lang="en-US" baseline="30000" dirty="0"/>
+              <a:t>+</a:t>
+            </a:r>
+            <a:r>
+              <a:rPr lang="en-US" dirty="0"/>
+              <a:t> T cells in patients with metastatic cancers</a:t>
             </a:r>
           </a:p>
         </p:txBody>
@@ -6063,102 +6493,26 @@
         </p:nvSpPr>
         <p:spPr>
           <a:xfrm>
-            <a:off x="838199" y="1919288"/>
-            <a:ext cx="4820921" cy="4268152"/>
+            <a:off x="838200" y="1919289"/>
+            <a:ext cx="6111240" cy="4623402"/>
           </a:xfrm>
         </p:spPr>
         <p:txBody>
           <a:bodyPr>
-            <a:normAutofit fontScale="92500" lnSpcReduction="10000"/>
+            <a:normAutofit/>
           </a:bodyPr>
           <a:lstStyle/>
           <a:p>
             <a:r>
-              <a:rPr lang="en-US" b="0" i="0" u="none" strike="noStrike" dirty="0">
-                <a:solidFill>
-                  <a:srgbClr val="212121"/>
-                </a:solidFill>
-                <a:effectLst/>
-              </a:rPr>
-              <a:t>Colitis dataset: </a:t>
-            </a:r>
-            <a:r>
-              <a:rPr lang="en-US" b="0" u="none" strike="noStrike" dirty="0">
-                <a:solidFill>
-                  <a:srgbClr val="212121"/>
-                </a:solidFill>
-                <a:effectLst/>
-              </a:rPr>
-              <a:t>Molecular Pathways of Colon Inflammation Induced by Cancer Immunotherapy (</a:t>
-            </a:r>
-            <a:r>
-              <a:rPr lang="en-US" b="0" i="1" u="none" strike="noStrike" dirty="0">
-                <a:solidFill>
-                  <a:srgbClr val="212121"/>
-                </a:solidFill>
-                <a:effectLst/>
-              </a:rPr>
-              <a:t>Cell</a:t>
-            </a:r>
-            <a:r>
-              <a:rPr lang="en-US" b="0" u="none" strike="noStrike" dirty="0">
-                <a:solidFill>
-                  <a:srgbClr val="212121"/>
-                </a:solidFill>
-                <a:effectLst/>
-              </a:rPr>
-              <a:t>, 2020)</a:t>
-            </a:r>
-          </a:p>
-          <a:p>
-            <a:pPr lvl="1"/>
-            <a:r>
-              <a:rPr lang="en-US" dirty="0">
-                <a:solidFill>
-                  <a:srgbClr val="212121"/>
-                </a:solidFill>
-              </a:rPr>
-              <a:t>HC: n = 8 (CT group)</a:t>
-            </a:r>
-          </a:p>
-          <a:p>
-            <a:pPr lvl="1"/>
-            <a:r>
-              <a:rPr lang="en-US" b="0" u="none" strike="noStrike" dirty="0">
-                <a:solidFill>
-                  <a:srgbClr val="212121"/>
-                </a:solidFill>
-                <a:effectLst/>
-              </a:rPr>
-              <a:t>ICB no colitis: n = 6 (NC group)</a:t>
-            </a:r>
-          </a:p>
-          <a:p>
-            <a:pPr lvl="2"/>
-            <a:r>
-              <a:rPr lang="en-US" dirty="0">
-                <a:solidFill>
-                  <a:srgbClr val="212121"/>
-                </a:solidFill>
-              </a:rPr>
-              <a:t>3 enteritis</a:t>
-            </a:r>
-          </a:p>
-          <a:p>
-            <a:pPr lvl="2"/>
-            <a:r>
-              <a:rPr lang="en-US" dirty="0">
-                <a:solidFill>
-                  <a:srgbClr val="212121"/>
-                </a:solidFill>
-              </a:rPr>
-              <a:t>3 no intestinal inflammation</a:t>
-            </a:r>
-            <a:endParaRPr lang="en-US" b="0" u="none" strike="noStrike" dirty="0">
+              <a:rPr lang="en-US" dirty="0"/>
+              <a:t>Test myocarditis dataset PBMCs</a:t>
+            </a:r>
+            <a:endParaRPr lang="en-US" b="0" i="0" u="none" strike="noStrike" dirty="0">
               <a:solidFill>
-                <a:srgbClr val="212121"/>
+                <a:srgbClr val="1F1F1F"/>
               </a:solidFill>
               <a:effectLst/>
+              <a:latin typeface="ElsevierGulliver"/>
             </a:endParaRPr>
           </a:p>
           <a:p>
@@ -6166,53 +6520,57 @@
             <a:r>
               <a:rPr lang="en-US" dirty="0">
                 <a:solidFill>
-                  <a:srgbClr val="212121"/>
-                </a:solidFill>
-              </a:rPr>
-              <a:t>ICB colitis: n = 8 (C group)</a:t>
-            </a:r>
-          </a:p>
-          <a:p>
-            <a:pPr lvl="2"/>
-            <a:r>
-              <a:rPr lang="en-US" dirty="0">
-                <a:solidFill>
-                  <a:srgbClr val="212121"/>
-                </a:solidFill>
-              </a:rPr>
-              <a:t>5 enterocolitis</a:t>
-            </a:r>
-          </a:p>
-          <a:p>
-            <a:pPr lvl="2"/>
-            <a:r>
-              <a:rPr lang="en-US" dirty="0">
-                <a:solidFill>
-                  <a:srgbClr val="212121"/>
-                </a:solidFill>
-              </a:rPr>
-              <a:t>3 colitis</a:t>
-            </a:r>
-          </a:p>
-          <a:p>
-            <a:pPr lvl="1"/>
-            <a:r>
-              <a:rPr lang="en-US" dirty="0">
-                <a:solidFill>
-                  <a:srgbClr val="212121"/>
-                </a:solidFill>
-              </a:rPr>
-              <a:t>Expecting more T cells in healthy colon than healthy thyroid</a:t>
-            </a:r>
+                  <a:srgbClr val="1F1F1F"/>
+                </a:solidFill>
+                <a:latin typeface="ElsevierGulliver"/>
+              </a:rPr>
+              <a:t>See if CD8 TEM TCR feature conclusions change in +/- </a:t>
+            </a:r>
+            <a:r>
+              <a:rPr lang="en-US" b="0" i="0" u="none" strike="noStrike" dirty="0" err="1">
+                <a:solidFill>
+                  <a:srgbClr val="1F1F1F"/>
+                </a:solidFill>
+                <a:effectLst/>
+                <a:latin typeface="ElsevierGulliver"/>
+              </a:rPr>
+              <a:t>NeoTCR</a:t>
+            </a:r>
+            <a:r>
+              <a:rPr lang="en-US" b="0" i="0" u="none" strike="noStrike" baseline="-25000" dirty="0" err="1">
+                <a:solidFill>
+                  <a:srgbClr val="1F1F1F"/>
+                </a:solidFill>
+                <a:effectLst/>
+                <a:latin typeface="ElsevierGulliver"/>
+              </a:rPr>
+              <a:t>PBL</a:t>
+            </a:r>
+            <a:r>
+              <a:rPr lang="en-US" b="0" i="0" u="none" strike="noStrike" dirty="0">
+                <a:solidFill>
+                  <a:srgbClr val="1F1F1F"/>
+                </a:solidFill>
+                <a:effectLst/>
+                <a:latin typeface="ElsevierGulliver"/>
+              </a:rPr>
+              <a:t> transcriptional signature?</a:t>
+            </a:r>
+            <a:endParaRPr lang="en-US" dirty="0">
+              <a:solidFill>
+                <a:srgbClr val="1F1F1F"/>
+              </a:solidFill>
+              <a:latin typeface="ElsevierGulliver"/>
+            </a:endParaRPr>
           </a:p>
         </p:txBody>
       </p:sp>
       <p:pic>
         <p:nvPicPr>
-          <p:cNvPr id="7" name="Picture 6">
-            <a:extLst>
-              <a:ext uri="{FF2B5EF4-FFF2-40B4-BE49-F238E27FC236}">
-                <a16:creationId xmlns:a16="http://schemas.microsoft.com/office/drawing/2014/main" id="{9E2A089B-B032-A91B-9BA2-1C2EFBE34E06}"/>
+          <p:cNvPr id="4" name="Picture 3">
+            <a:extLst>
+              <a:ext uri="{FF2B5EF4-FFF2-40B4-BE49-F238E27FC236}">
+                <a16:creationId xmlns:a16="http://schemas.microsoft.com/office/drawing/2014/main" id="{CCD6F09A-FE73-C800-82CE-5DE1002345D9}"/>
               </a:ext>
             </a:extLst>
           </p:cNvPr>
@@ -6229,38 +6587,8 @@
         </p:blipFill>
         <p:spPr>
           <a:xfrm>
-            <a:off x="5496560" y="1919288"/>
-            <a:ext cx="5410200" cy="3581400"/>
-          </a:xfrm>
-          <a:prstGeom prst="rect">
-            <a:avLst/>
-          </a:prstGeom>
-        </p:spPr>
-      </p:pic>
-      <p:pic>
-        <p:nvPicPr>
-          <p:cNvPr id="4" name="Picture 3">
-            <a:extLst>
-              <a:ext uri="{FF2B5EF4-FFF2-40B4-BE49-F238E27FC236}">
-                <a16:creationId xmlns:a16="http://schemas.microsoft.com/office/drawing/2014/main" id="{A2001CE5-7C04-60B4-7F38-F39F983932A8}"/>
-              </a:ext>
-            </a:extLst>
-          </p:cNvPr>
-          <p:cNvPicPr>
-            <a:picLocks noChangeAspect="1"/>
-          </p:cNvPicPr>
-          <p:nvPr/>
-        </p:nvPicPr>
-        <p:blipFill>
-          <a:blip r:embed="rId4"/>
-          <a:stretch>
-            <a:fillRect/>
-          </a:stretch>
-        </p:blipFill>
-        <p:spPr>
-          <a:xfrm>
-            <a:off x="10439400" y="0"/>
-            <a:ext cx="1723920" cy="6858000"/>
+            <a:off x="6919363" y="1716390"/>
+            <a:ext cx="5038957" cy="5069840"/>
           </a:xfrm>
           <a:prstGeom prst="rect">
             <a:avLst/>
@@ -6270,7 +6598,7 @@
     </p:spTree>
     <p:extLst>
       <p:ext uri="{BB962C8B-B14F-4D97-AF65-F5344CB8AC3E}">
-        <p14:creationId xmlns:p14="http://schemas.microsoft.com/office/powerpoint/2010/main" val="2566156822"/>
+        <p14:creationId xmlns:p14="http://schemas.microsoft.com/office/powerpoint/2010/main" val="3141328136"/>
       </p:ext>
     </p:extLst>
   </p:cSld>
@@ -6281,6 +6609,224 @@
 </file>
 
 <file path=ppt/slides/slide12.xml><?xml version="1.0" encoding="utf-8"?>
+<p:sld xmlns:a="http://schemas.openxmlformats.org/drawingml/2006/main" xmlns:r="http://schemas.openxmlformats.org/officeDocument/2006/relationships" xmlns:p="http://schemas.openxmlformats.org/presentationml/2006/main">
+  <p:cSld>
+    <p:spTree>
+      <p:nvGrpSpPr>
+        <p:cNvPr id="1" name=""/>
+        <p:cNvGrpSpPr/>
+        <p:nvPr/>
+      </p:nvGrpSpPr>
+      <p:grpSpPr>
+        <a:xfrm>
+          <a:off x="0" y="0"/>
+          <a:ext cx="0" cy="0"/>
+          <a:chOff x="0" y="0"/>
+          <a:chExt cx="0" cy="0"/>
+        </a:xfrm>
+      </p:grpSpPr>
+      <p:sp>
+        <p:nvSpPr>
+          <p:cNvPr id="2" name="Title 1">
+            <a:extLst>
+              <a:ext uri="{FF2B5EF4-FFF2-40B4-BE49-F238E27FC236}">
+                <a16:creationId xmlns:a16="http://schemas.microsoft.com/office/drawing/2014/main" id="{70A4C97D-8F21-3D3B-6A90-EA7145324964}"/>
+              </a:ext>
+            </a:extLst>
+          </p:cNvPr>
+          <p:cNvSpPr>
+            <a:spLocks noGrp="1"/>
+          </p:cNvSpPr>
+          <p:nvPr>
+            <p:ph type="title"/>
+          </p:nvPr>
+        </p:nvSpPr>
+        <p:spPr>
+          <a:xfrm>
+            <a:off x="838200" y="593725"/>
+            <a:ext cx="10515600" cy="1325563"/>
+          </a:xfrm>
+        </p:spPr>
+        <p:txBody>
+          <a:bodyPr>
+            <a:normAutofit/>
+          </a:bodyPr>
+          <a:lstStyle/>
+          <a:p>
+            <a:r>
+              <a:rPr lang="en-US" dirty="0"/>
+              <a:t>Next steps</a:t>
+            </a:r>
+          </a:p>
+        </p:txBody>
+      </p:sp>
+      <p:sp>
+        <p:nvSpPr>
+          <p:cNvPr id="3" name="Content Placeholder 2">
+            <a:extLst>
+              <a:ext uri="{FF2B5EF4-FFF2-40B4-BE49-F238E27FC236}">
+                <a16:creationId xmlns:a16="http://schemas.microsoft.com/office/drawing/2014/main" id="{B9501834-7B32-1ACA-4358-B630FB8EEC36}"/>
+              </a:ext>
+            </a:extLst>
+          </p:cNvPr>
+          <p:cNvSpPr>
+            <a:spLocks noGrp="1"/>
+          </p:cNvSpPr>
+          <p:nvPr>
+            <p:ph idx="1"/>
+          </p:nvPr>
+        </p:nvSpPr>
+        <p:spPr>
+          <a:xfrm>
+            <a:off x="838200" y="1919289"/>
+            <a:ext cx="10612120" cy="4623402"/>
+          </a:xfrm>
+        </p:spPr>
+        <p:txBody>
+          <a:bodyPr>
+            <a:normAutofit/>
+          </a:bodyPr>
+          <a:lstStyle/>
+          <a:p>
+            <a:r>
+              <a:rPr lang="en-US" dirty="0"/>
+              <a:t>Colitis dataset mining</a:t>
+            </a:r>
+          </a:p>
+          <a:p>
+            <a:r>
+              <a:rPr lang="en-US" dirty="0">
+                <a:solidFill>
+                  <a:srgbClr val="1F1F1F"/>
+                </a:solidFill>
+                <a:latin typeface="ElsevierGulliver"/>
+              </a:rPr>
+              <a:t>See if CD8 TEM TCR feature conclusions change in +/- </a:t>
+            </a:r>
+            <a:r>
+              <a:rPr lang="en-US" b="0" i="0" u="none" strike="noStrike" dirty="0" err="1">
+                <a:solidFill>
+                  <a:srgbClr val="1F1F1F"/>
+                </a:solidFill>
+                <a:effectLst/>
+                <a:latin typeface="ElsevierGulliver"/>
+              </a:rPr>
+              <a:t>NeoTCR</a:t>
+            </a:r>
+            <a:r>
+              <a:rPr lang="en-US" b="0" i="0" u="none" strike="noStrike" baseline="-25000" dirty="0" err="1">
+                <a:solidFill>
+                  <a:srgbClr val="1F1F1F"/>
+                </a:solidFill>
+                <a:effectLst/>
+                <a:latin typeface="ElsevierGulliver"/>
+              </a:rPr>
+              <a:t>PBL</a:t>
+            </a:r>
+            <a:r>
+              <a:rPr lang="en-US" b="0" i="0" u="none" strike="noStrike" dirty="0">
+                <a:solidFill>
+                  <a:srgbClr val="1F1F1F"/>
+                </a:solidFill>
+                <a:effectLst/>
+                <a:latin typeface="ElsevierGulliver"/>
+              </a:rPr>
+              <a:t> transcriptional signature?</a:t>
+            </a:r>
+          </a:p>
+          <a:p>
+            <a:r>
+              <a:rPr lang="en-US" dirty="0">
+                <a:solidFill>
+                  <a:srgbClr val="1F1F1F"/>
+                </a:solidFill>
+                <a:latin typeface="ElsevierGulliver"/>
+              </a:rPr>
+              <a:t>Mining vitiligo dataset</a:t>
+            </a:r>
+          </a:p>
+          <a:p>
+            <a:pPr lvl="1"/>
+            <a:r>
+              <a:rPr lang="en-US" dirty="0">
+                <a:solidFill>
+                  <a:srgbClr val="1F1F1F"/>
+                </a:solidFill>
+                <a:latin typeface="ElsevierGulliver"/>
+              </a:rPr>
+              <a:t>Insight into immune profile associated with vitiligo onset and anti-tumoral response in melanoma patients receiving anti-PD-1 immunotherapy (</a:t>
+            </a:r>
+            <a:r>
+              <a:rPr lang="en-US" i="1" dirty="0">
+                <a:solidFill>
+                  <a:srgbClr val="1F1F1F"/>
+                </a:solidFill>
+                <a:latin typeface="ElsevierGulliver"/>
+              </a:rPr>
+              <a:t>Front Immunol</a:t>
+            </a:r>
+            <a:r>
+              <a:rPr lang="en-US" dirty="0">
+                <a:solidFill>
+                  <a:srgbClr val="1F1F1F"/>
+                </a:solidFill>
+                <a:latin typeface="ElsevierGulliver"/>
+              </a:rPr>
+              <a:t>, 2023)</a:t>
+            </a:r>
+          </a:p>
+          <a:p>
+            <a:pPr lvl="1"/>
+            <a:r>
+              <a:rPr lang="en-US" dirty="0">
+                <a:solidFill>
+                  <a:srgbClr val="1F1F1F"/>
+                </a:solidFill>
+                <a:latin typeface="ElsevierGulliver"/>
+              </a:rPr>
+              <a:t>Paired data pre/post ICB</a:t>
+            </a:r>
+          </a:p>
+          <a:p>
+            <a:pPr lvl="1"/>
+            <a:r>
+              <a:rPr lang="en-US" dirty="0">
+                <a:solidFill>
+                  <a:srgbClr val="1F1F1F"/>
+                </a:solidFill>
+                <a:latin typeface="ElsevierGulliver"/>
+              </a:rPr>
+              <a:t>n = 6 (vitiligo), n = 6 (no vitiligo)</a:t>
+            </a:r>
+          </a:p>
+          <a:p>
+            <a:pPr lvl="1"/>
+            <a:r>
+              <a:rPr lang="en-US" dirty="0">
+                <a:solidFill>
+                  <a:srgbClr val="1F1F1F"/>
+                </a:solidFill>
+                <a:latin typeface="ElsevierGulliver"/>
+              </a:rPr>
+              <a:t>Metastasis and vitiligo T cell infiltrates share more clonotypes than primary melanoma and vitiligo T cell infiltrates</a:t>
+            </a:r>
+          </a:p>
+        </p:txBody>
+      </p:sp>
+    </p:spTree>
+    <p:extLst>
+      <p:ext uri="{BB962C8B-B14F-4D97-AF65-F5344CB8AC3E}">
+        <p14:creationId xmlns:p14="http://schemas.microsoft.com/office/powerpoint/2010/main" val="740860096"/>
+      </p:ext>
+    </p:extLst>
+  </p:cSld>
+  <p:clrMapOvr>
+    <a:masterClrMapping/>
+  </p:clrMapOvr>
+</p:sld>
+</file>
+
+<file path=ppt/slides/slide13.xml><?xml version="1.0" encoding="utf-8"?>
 <p:sld xmlns:a="http://schemas.openxmlformats.org/drawingml/2006/main" xmlns:r="http://schemas.openxmlformats.org/officeDocument/2006/relationships" xmlns:p="http://schemas.openxmlformats.org/presentationml/2006/main">
   <p:cSld>
     <p:spTree>
@@ -8860,7 +9406,7 @@
           <a:p>
             <a:r>
               <a:rPr lang="en-US" dirty="0"/>
-              <a:t>Issues with thyroiditis dataset</a:t>
+              <a:t>Review of conclusions from myocarditis dataset</a:t>
             </a:r>
           </a:p>
         </p:txBody>
@@ -8895,37 +9441,37 @@
           <a:p>
             <a:r>
               <a:rPr lang="en-US" dirty="0"/>
-              <a:t>No normal thyroid HC T cells had TCR seq data</a:t>
+              <a:t>Within highly expanded CD8 TEMs in those developing </a:t>
+            </a:r>
+            <a:r>
+              <a:rPr lang="en-US" dirty="0" err="1"/>
+              <a:t>irAEs</a:t>
+            </a:r>
+            <a:r>
+              <a:rPr lang="en-US" dirty="0"/>
+              <a:t>…</a:t>
             </a:r>
           </a:p>
           <a:p>
             <a:pPr lvl="1"/>
             <a:r>
               <a:rPr lang="en-US" dirty="0"/>
-              <a:t>Low T cell infiltration in healthy thyroid</a:t>
+              <a:t>less </a:t>
+            </a:r>
+            <a:r>
+              <a:rPr lang="en-US" dirty="0" err="1"/>
+              <a:t>germlike</a:t>
+            </a:r>
+            <a:r>
+              <a:rPr lang="en-US" dirty="0"/>
+              <a:t>-like TRBs (solid)</a:t>
             </a:r>
           </a:p>
           <a:p>
             <a:pPr lvl="1"/>
             <a:r>
               <a:rPr lang="en-US" dirty="0"/>
-              <a:t>Not sure if worth comparing TCR features between </a:t>
-            </a:r>
-            <a:r>
-              <a:rPr lang="en-US" dirty="0" err="1"/>
-              <a:t>irAE</a:t>
-            </a:r>
-            <a:r>
-              <a:rPr lang="en-US" dirty="0"/>
-              <a:t> and HT groups or what an alternative control would be (besides supplemental healthy thyroid </a:t>
-            </a:r>
-            <a:r>
-              <a:rPr lang="en-US" dirty="0" err="1"/>
-              <a:t>TCRseq</a:t>
-            </a:r>
-            <a:r>
-              <a:rPr lang="en-US" dirty="0"/>
-              <a:t>)…</a:t>
+              <a:t>slightly longer CDR3Bs (less solid)</a:t>
             </a:r>
           </a:p>
         </p:txBody>
@@ -8933,7 +9479,7 @@
     </p:spTree>
     <p:extLst>
       <p:ext uri="{BB962C8B-B14F-4D97-AF65-F5344CB8AC3E}">
-        <p14:creationId xmlns:p14="http://schemas.microsoft.com/office/powerpoint/2010/main" val="147075965"/>
+        <p14:creationId xmlns:p14="http://schemas.microsoft.com/office/powerpoint/2010/main" val="1782126876"/>
       </p:ext>
     </p:extLst>
   </p:cSld>
@@ -8990,15 +9536,7 @@
           <a:p>
             <a:r>
               <a:rPr lang="en-US" dirty="0"/>
-              <a:t>Phenotypic signatures of circulating neoantigen-reactive CD8</a:t>
-            </a:r>
-            <a:r>
-              <a:rPr lang="en-US" baseline="30000" dirty="0"/>
-              <a:t>+</a:t>
-            </a:r>
-            <a:r>
-              <a:rPr lang="en-US" dirty="0"/>
-              <a:t> T cells in patients with metastatic cancers</a:t>
+              <a:t>Issue with thyroiditis dataset</a:t>
             </a:r>
           </a:p>
         </p:txBody>
@@ -9022,7 +9560,7 @@
         <p:spPr>
           <a:xfrm>
             <a:off x="838200" y="1919289"/>
-            <a:ext cx="6111240" cy="4623402"/>
+            <a:ext cx="10515600" cy="4623402"/>
           </a:xfrm>
         </p:spPr>
         <p:txBody>
@@ -9033,100 +9571,44 @@
           <a:p>
             <a:r>
               <a:rPr lang="en-US" dirty="0"/>
-              <a:t>Test myocarditis dataset PBMCs</a:t>
-            </a:r>
-            <a:endParaRPr lang="en-US" b="0" i="0" u="none" strike="noStrike" dirty="0">
-              <a:solidFill>
-                <a:srgbClr val="1F1F1F"/>
-              </a:solidFill>
-              <a:effectLst/>
-              <a:latin typeface="ElsevierGulliver"/>
-            </a:endParaRPr>
+              <a:t>No normal thyroid HC T cells had TCR seq data</a:t>
+            </a:r>
           </a:p>
           <a:p>
             <a:pPr lvl="1"/>
             <a:r>
-              <a:rPr lang="en-US" dirty="0">
-                <a:solidFill>
-                  <a:srgbClr val="1F1F1F"/>
-                </a:solidFill>
-                <a:latin typeface="ElsevierGulliver"/>
-              </a:rPr>
-              <a:t>See if CD8 TEM TCR feature conclusions change in +/- </a:t>
-            </a:r>
-            <a:r>
-              <a:rPr lang="en-US" b="0" i="0" u="none" strike="noStrike" dirty="0" err="1">
-                <a:solidFill>
-                  <a:srgbClr val="1F1F1F"/>
-                </a:solidFill>
-                <a:effectLst/>
-                <a:latin typeface="ElsevierGulliver"/>
-              </a:rPr>
-              <a:t>NeoTCR</a:t>
-            </a:r>
-            <a:r>
-              <a:rPr lang="en-US" b="0" i="0" u="none" strike="noStrike" baseline="-25000" dirty="0" err="1">
-                <a:solidFill>
-                  <a:srgbClr val="1F1F1F"/>
-                </a:solidFill>
-                <a:effectLst/>
-                <a:latin typeface="ElsevierGulliver"/>
-              </a:rPr>
-              <a:t>PBL</a:t>
-            </a:r>
-            <a:r>
-              <a:rPr lang="en-US" b="0" i="0" u="none" strike="noStrike" dirty="0">
-                <a:solidFill>
-                  <a:srgbClr val="1F1F1F"/>
-                </a:solidFill>
-                <a:effectLst/>
-                <a:latin typeface="ElsevierGulliver"/>
-              </a:rPr>
-              <a:t> transcriptional signature?</a:t>
-            </a:r>
-            <a:endParaRPr lang="en-US" dirty="0">
-              <a:solidFill>
-                <a:srgbClr val="1F1F1F"/>
-              </a:solidFill>
-              <a:latin typeface="ElsevierGulliver"/>
-            </a:endParaRPr>
-          </a:p>
-        </p:txBody>
-      </p:sp>
-      <p:pic>
-        <p:nvPicPr>
-          <p:cNvPr id="4" name="Picture 3">
-            <a:extLst>
-              <a:ext uri="{FF2B5EF4-FFF2-40B4-BE49-F238E27FC236}">
-                <a16:creationId xmlns:a16="http://schemas.microsoft.com/office/drawing/2014/main" id="{CCD6F09A-FE73-C800-82CE-5DE1002345D9}"/>
-              </a:ext>
-            </a:extLst>
-          </p:cNvPr>
-          <p:cNvPicPr>
-            <a:picLocks noChangeAspect="1"/>
-          </p:cNvPicPr>
-          <p:nvPr/>
-        </p:nvPicPr>
-        <p:blipFill>
-          <a:blip r:embed="rId3"/>
-          <a:stretch>
-            <a:fillRect/>
-          </a:stretch>
-        </p:blipFill>
-        <p:spPr>
-          <a:xfrm>
-            <a:off x="6919363" y="1716390"/>
-            <a:ext cx="5038957" cy="5069840"/>
-          </a:xfrm>
-          <a:prstGeom prst="rect">
-            <a:avLst/>
-          </a:prstGeom>
-        </p:spPr>
-      </p:pic>
+              <a:rPr lang="en-US" dirty="0"/>
+              <a:t>Low T cell infiltration in healthy thyroid</a:t>
+            </a:r>
+          </a:p>
+          <a:p>
+            <a:pPr lvl="1"/>
+            <a:r>
+              <a:rPr lang="en-US" dirty="0"/>
+              <a:t>Not sure if worth comparing TCR features between </a:t>
+            </a:r>
+            <a:r>
+              <a:rPr lang="en-US" dirty="0" err="1"/>
+              <a:t>irAE</a:t>
+            </a:r>
+            <a:r>
+              <a:rPr lang="en-US" dirty="0"/>
+              <a:t> and HT groups</a:t>
+            </a:r>
+          </a:p>
+          <a:p>
+            <a:pPr lvl="1"/>
+            <a:r>
+              <a:rPr lang="en-US" dirty="0"/>
+              <a:t>Do have opportunity to get PBMC data from healthy controls, HT, Graves disease…</a:t>
+            </a:r>
+          </a:p>
+        </p:txBody>
+      </p:sp>
     </p:spTree>
     <p:extLst>
       <p:ext uri="{BB962C8B-B14F-4D97-AF65-F5344CB8AC3E}">
-        <p14:creationId xmlns:p14="http://schemas.microsoft.com/office/powerpoint/2010/main" val="1843417682"/>
+        <p14:creationId xmlns:p14="http://schemas.microsoft.com/office/powerpoint/2010/main" val="147075965"/>
       </p:ext>
     </p:extLst>
   </p:cSld>

--- a/linsley_postdoc/presentations/weekly_meetings/12_14_23.pptx
+++ b/linsley_postdoc/presentations/weekly_meetings/12_14_23.pptx
@@ -5,7 +5,7 @@
     <p:sldMasterId id="2147483648" r:id="rId1"/>
   </p:sldMasterIdLst>
   <p:notesMasterIdLst>
-    <p:notesMasterId r:id="rId15"/>
+    <p:notesMasterId r:id="rId16"/>
   </p:notesMasterIdLst>
   <p:sldIdLst>
     <p:sldId id="477" r:id="rId2"/>
@@ -16,11 +16,12 @@
     <p:sldId id="472" r:id="rId7"/>
     <p:sldId id="475" r:id="rId8"/>
     <p:sldId id="441" r:id="rId9"/>
-    <p:sldId id="476" r:id="rId10"/>
-    <p:sldId id="442" r:id="rId11"/>
-    <p:sldId id="478" r:id="rId12"/>
-    <p:sldId id="479" r:id="rId13"/>
-    <p:sldId id="471" r:id="rId14"/>
+    <p:sldId id="478" r:id="rId10"/>
+    <p:sldId id="476" r:id="rId11"/>
+    <p:sldId id="442" r:id="rId12"/>
+    <p:sldId id="480" r:id="rId13"/>
+    <p:sldId id="479" r:id="rId14"/>
+    <p:sldId id="471" r:id="rId15"/>
   </p:sldIdLst>
   <p:sldSz cx="12192000" cy="6858000"/>
   <p:notesSz cx="6858000" cy="9144000"/>
@@ -615,106 +616,7 @@
           <a:bodyPr/>
           <a:lstStyle/>
           <a:p>
-            <a:r>
-              <a:rPr lang="en-US" b="0" i="0" u="none" strike="noStrike" dirty="0">
-                <a:solidFill>
-                  <a:srgbClr val="212121"/>
-                </a:solidFill>
-                <a:effectLst/>
-                <a:latin typeface="Cambria" panose="02040503050406030204" pitchFamily="18" charset="0"/>
-              </a:rPr>
-              <a:t>Not sure if ICB no colitis had other </a:t>
-            </a:r>
-            <a:r>
-              <a:rPr lang="en-US" b="0" i="0" u="none" strike="noStrike" dirty="0" err="1">
-                <a:solidFill>
-                  <a:srgbClr val="212121"/>
-                </a:solidFill>
-                <a:effectLst/>
-                <a:latin typeface="Cambria" panose="02040503050406030204" pitchFamily="18" charset="0"/>
-              </a:rPr>
-              <a:t>irAEs</a:t>
-            </a:r>
-            <a:r>
-              <a:rPr lang="en-US" b="0" i="0" u="none" strike="noStrike" dirty="0">
-                <a:solidFill>
-                  <a:srgbClr val="212121"/>
-                </a:solidFill>
-                <a:effectLst/>
-                <a:latin typeface="Cambria" panose="02040503050406030204" pitchFamily="18" charset="0"/>
-              </a:rPr>
-              <a:t>… doesn’t matter as much probably given sampling from colon</a:t>
-            </a:r>
-          </a:p>
-          <a:p>
-            <a:endParaRPr lang="en-US" b="0" i="0" u="none" strike="noStrike" dirty="0">
-              <a:solidFill>
-                <a:srgbClr val="212121"/>
-              </a:solidFill>
-              <a:effectLst/>
-              <a:latin typeface="Cambria" panose="02040503050406030204" pitchFamily="18" charset="0"/>
-            </a:endParaRPr>
-          </a:p>
-          <a:p>
-            <a:r>
-              <a:rPr lang="en-US" b="0" i="0" u="none" strike="noStrike" dirty="0">
-                <a:solidFill>
-                  <a:srgbClr val="212121"/>
-                </a:solidFill>
-                <a:effectLst/>
-                <a:latin typeface="Cambria" panose="02040503050406030204" pitchFamily="18" charset="0"/>
-              </a:rPr>
-              <a:t>ICB no colitis: CPI-treated melanoma patients who underwent endoscopic evaluation for suspected +CPI colitis but were found to have normal colonic mucosa both endoscopically and histologically (n=6, +CPI no-colitis) (</a:t>
-            </a:r>
-            <a:r>
-              <a:rPr lang="en-US" b="0" i="0" u="sng" dirty="0">
-                <a:solidFill>
-                  <a:srgbClr val="4C2C92"/>
-                </a:solidFill>
-                <a:effectLst/>
-                <a:latin typeface="Cambria" panose="02040503050406030204" pitchFamily="18" charset="0"/>
-                <a:hlinkClick r:id="rId3"/>
-              </a:rPr>
-              <a:t>Figure 1B</a:t>
-            </a:r>
-            <a:r>
-              <a:rPr lang="en-US" b="0" i="0" u="none" strike="noStrike" dirty="0">
-                <a:solidFill>
-                  <a:srgbClr val="212121"/>
-                </a:solidFill>
-                <a:effectLst/>
-                <a:latin typeface="Cambria" panose="02040503050406030204" pitchFamily="18" charset="0"/>
-              </a:rPr>
-              <a:t>). This group of drug-exposed patients without colitis was evenly split between patients who had or did not have inflammation of the small intestine (enteritis)</a:t>
-            </a:r>
-          </a:p>
-          <a:p>
-            <a:endParaRPr lang="en-US" b="0" i="0" u="none" strike="noStrike" dirty="0">
-              <a:solidFill>
-                <a:srgbClr val="212121"/>
-              </a:solidFill>
-              <a:effectLst/>
-              <a:latin typeface="Cambria" panose="02040503050406030204" pitchFamily="18" charset="0"/>
-            </a:endParaRPr>
-          </a:p>
-          <a:p>
-            <a:r>
-              <a:rPr lang="en-US" b="0" i="0" u="none" strike="noStrike" dirty="0">
-                <a:solidFill>
-                  <a:srgbClr val="E2EEFF"/>
-                </a:solidFill>
-                <a:effectLst/>
-                <a:latin typeface="Google Sans"/>
-              </a:rPr>
-              <a:t>Enteritis is inflammation of the small intestine, while colitis is inflammation of the colon</a:t>
-            </a:r>
-            <a:endParaRPr lang="en-US" b="0" i="0" u="none" strike="noStrike" dirty="0">
-              <a:solidFill>
-                <a:srgbClr val="212121"/>
-              </a:solidFill>
-              <a:effectLst/>
-              <a:latin typeface="Cambria" panose="02040503050406030204" pitchFamily="18" charset="0"/>
-            </a:endParaRPr>
+            <a:endParaRPr lang="en-US" dirty="0"/>
           </a:p>
         </p:txBody>
       </p:sp>
@@ -744,7 +646,7 @@
     </p:spTree>
     <p:extLst>
       <p:ext uri="{BB962C8B-B14F-4D97-AF65-F5344CB8AC3E}">
-        <p14:creationId xmlns:p14="http://schemas.microsoft.com/office/powerpoint/2010/main" val="2672187720"/>
+        <p14:creationId xmlns:p14="http://schemas.microsoft.com/office/powerpoint/2010/main" val="3760534543"/>
       </p:ext>
     </p:extLst>
   </p:cSld>
@@ -799,77 +701,193 @@
           <a:lstStyle/>
           <a:p>
             <a:r>
-              <a:rPr lang="en-US" dirty="0"/>
-              <a:t>Seems as though this </a:t>
+              <a:rPr lang="en-US" b="0" i="0" u="none" strike="noStrike" dirty="0">
+                <a:solidFill>
+                  <a:srgbClr val="212121"/>
+                </a:solidFill>
+                <a:effectLst/>
+                <a:latin typeface="Cambria" panose="02040503050406030204" pitchFamily="18" charset="0"/>
+              </a:rPr>
+              <a:t>Not sure if ICB no colitis had other </a:t>
             </a:r>
             <a:r>
               <a:rPr lang="en-US" b="0" i="0" u="none" strike="noStrike" dirty="0" err="1">
                 <a:solidFill>
-                  <a:srgbClr val="1F1F1F"/>
+                  <a:srgbClr val="212121"/>
                 </a:solidFill>
                 <a:effectLst/>
-                <a:latin typeface="ElsevierGulliver"/>
-              </a:rPr>
-              <a:t>NeoTCR</a:t>
-            </a:r>
-            <a:r>
-              <a:rPr lang="en-US" b="0" i="0" u="none" strike="noStrike" baseline="-25000" dirty="0" err="1">
-                <a:solidFill>
-                  <a:srgbClr val="1F1F1F"/>
+                <a:latin typeface="Cambria" panose="02040503050406030204" pitchFamily="18" charset="0"/>
+              </a:rPr>
+              <a:t>irAEs</a:t>
+            </a:r>
+            <a:r>
+              <a:rPr lang="en-US" b="0" i="0" u="none" strike="noStrike" dirty="0">
+                <a:solidFill>
+                  <a:srgbClr val="212121"/>
                 </a:solidFill>
                 <a:effectLst/>
-                <a:latin typeface="ElsevierGulliver"/>
-              </a:rPr>
-              <a:t>PBL</a:t>
-            </a:r>
-            <a:r>
-              <a:rPr lang="en-US" b="0" i="0" u="none" strike="noStrike" dirty="0">
-                <a:solidFill>
-                  <a:srgbClr val="1F1F1F"/>
-                </a:solidFill>
-                <a:effectLst/>
-                <a:latin typeface="ElsevierGulliver"/>
-              </a:rPr>
-              <a:t> transcriptional signature may be unique to tumor reactive PBMCs!</a:t>
+                <a:latin typeface="Cambria" panose="02040503050406030204" pitchFamily="18" charset="0"/>
+              </a:rPr>
+              <a:t>… doesn’t matter as much probably given sampling from colon</a:t>
             </a:r>
           </a:p>
           <a:p>
             <a:endParaRPr lang="en-US" b="0" i="0" u="none" strike="noStrike" dirty="0">
               <a:solidFill>
-                <a:srgbClr val="1F1F1F"/>
+                <a:srgbClr val="212121"/>
               </a:solidFill>
               <a:effectLst/>
-              <a:latin typeface="ElsevierGulliver"/>
+              <a:latin typeface="Cambria" panose="02040503050406030204" pitchFamily="18" charset="0"/>
             </a:endParaRPr>
           </a:p>
           <a:p>
-            <a:pPr marL="0" marR="0" lvl="0" indent="0" algn="l" defTabSz="914400" rtl="0" eaLnBrk="1" fontAlgn="auto" latinLnBrk="0" hangingPunct="1">
-              <a:lnSpc>
-                <a:spcPct val="100000"/>
-              </a:lnSpc>
-              <a:spcBef>
-                <a:spcPts val="0"/>
-              </a:spcBef>
-              <a:spcAft>
-                <a:spcPts val="0"/>
-              </a:spcAft>
-              <a:buClrTx/>
-              <a:buSzTx/>
-              <a:buFontTx/>
-              <a:buNone/>
-              <a:tabLst/>
-              <a:defRPr/>
-            </a:pPr>
-            <a:r>
-              <a:rPr lang="en-US" b="0" dirty="0">
-                <a:solidFill>
-                  <a:srgbClr val="CCCCCC"/>
+            <a:r>
+              <a:rPr lang="en-US" b="0" i="0" u="none" strike="noStrike" dirty="0">
+                <a:solidFill>
+                  <a:srgbClr val="212121"/>
                 </a:solidFill>
                 <a:effectLst/>
-                <a:latin typeface="Menlo" panose="020B0609030804020204" pitchFamily="49" charset="0"/>
-              </a:rPr>
-              <a:t>circulating tumor reactive T cells: lower expression of cytotoxic molecules, higher expression of T cell activation genes, memory quiescence, tissue residency, inhibitory markers</a:t>
-            </a:r>
+                <a:latin typeface="Cambria" panose="02040503050406030204" pitchFamily="18" charset="0"/>
+              </a:rPr>
+              <a:t>ICB no colitis: CPI-treated melanoma patients who underwent endoscopic evaluation for suspected +CPI colitis but were found to have normal colonic mucosa both endoscopically and histologically (n=6, +CPI no-colitis) (</a:t>
+            </a:r>
+            <a:r>
+              <a:rPr lang="en-US" b="0" i="0" u="sng" dirty="0">
+                <a:solidFill>
+                  <a:srgbClr val="4C2C92"/>
+                </a:solidFill>
+                <a:effectLst/>
+                <a:latin typeface="Cambria" panose="02040503050406030204" pitchFamily="18" charset="0"/>
+                <a:hlinkClick r:id="rId3"/>
+              </a:rPr>
+              <a:t>Figure 1B</a:t>
+            </a:r>
+            <a:r>
+              <a:rPr lang="en-US" b="0" i="0" u="none" strike="noStrike" dirty="0">
+                <a:solidFill>
+                  <a:srgbClr val="212121"/>
+                </a:solidFill>
+                <a:effectLst/>
+                <a:latin typeface="Cambria" panose="02040503050406030204" pitchFamily="18" charset="0"/>
+              </a:rPr>
+              <a:t>). This group of drug-exposed patients without colitis was evenly split between patients who had or did not have inflammation of the small intestine (enteritis)</a:t>
+            </a:r>
+          </a:p>
+          <a:p>
+            <a:endParaRPr lang="en-US" b="0" i="0" u="none" strike="noStrike" dirty="0">
+              <a:solidFill>
+                <a:srgbClr val="212121"/>
+              </a:solidFill>
+              <a:effectLst/>
+              <a:latin typeface="Cambria" panose="02040503050406030204" pitchFamily="18" charset="0"/>
+            </a:endParaRPr>
+          </a:p>
+          <a:p>
+            <a:r>
+              <a:rPr lang="en-US" b="0" i="0" u="none" strike="noStrike" dirty="0">
+                <a:solidFill>
+                  <a:srgbClr val="E2EEFF"/>
+                </a:solidFill>
+                <a:effectLst/>
+                <a:latin typeface="Google Sans"/>
+              </a:rPr>
+              <a:t>Enteritis is inflammation of the small intestine, while colitis is inflammation of the colon</a:t>
+            </a:r>
+          </a:p>
+          <a:p>
+            <a:endParaRPr lang="en-US" b="0" i="0" u="none" strike="noStrike" dirty="0">
+              <a:solidFill>
+                <a:srgbClr val="E2EEFF"/>
+              </a:solidFill>
+              <a:effectLst/>
+              <a:latin typeface="Google Sans"/>
+            </a:endParaRPr>
+          </a:p>
+          <a:p>
+            <a:r>
+              <a:rPr lang="en-US" dirty="0">
+                <a:solidFill>
+                  <a:srgbClr val="1F1F1F"/>
+                </a:solidFill>
+                <a:latin typeface="ElsevierGulliver"/>
+              </a:rPr>
+              <a:t>Mining vitiligo dataset</a:t>
+            </a:r>
+          </a:p>
+          <a:p>
+            <a:pPr lvl="1"/>
+            <a:r>
+              <a:rPr lang="en-US" dirty="0">
+                <a:solidFill>
+                  <a:srgbClr val="1F1F1F"/>
+                </a:solidFill>
+                <a:latin typeface="ElsevierGulliver"/>
+              </a:rPr>
+              <a:t>Insight into immune profile associated with vitiligo onset and anti-tumoral response in melanoma patients receiving anti-PD-1 immunotherapy (</a:t>
+            </a:r>
+            <a:r>
+              <a:rPr lang="en-US" i="1" dirty="0">
+                <a:solidFill>
+                  <a:srgbClr val="1F1F1F"/>
+                </a:solidFill>
+                <a:latin typeface="ElsevierGulliver"/>
+              </a:rPr>
+              <a:t>Front Immunol</a:t>
+            </a:r>
+            <a:r>
+              <a:rPr lang="en-US" dirty="0">
+                <a:solidFill>
+                  <a:srgbClr val="1F1F1F"/>
+                </a:solidFill>
+                <a:latin typeface="ElsevierGulliver"/>
+              </a:rPr>
+              <a:t>, 2023)</a:t>
+            </a:r>
+          </a:p>
+          <a:p>
+            <a:pPr lvl="1"/>
+            <a:r>
+              <a:rPr lang="en-US" dirty="0">
+                <a:solidFill>
+                  <a:srgbClr val="1F1F1F"/>
+                </a:solidFill>
+                <a:latin typeface="ElsevierGulliver"/>
+              </a:rPr>
+              <a:t>Paired data pre/post ICB</a:t>
+            </a:r>
+          </a:p>
+          <a:p>
+            <a:pPr lvl="1"/>
+            <a:r>
+              <a:rPr lang="en-US" dirty="0">
+                <a:solidFill>
+                  <a:srgbClr val="1F1F1F"/>
+                </a:solidFill>
+                <a:latin typeface="ElsevierGulliver"/>
+              </a:rPr>
+              <a:t>n = 6 (vitiligo), n = 6 (no vitiligo)</a:t>
+            </a:r>
+          </a:p>
+          <a:p>
+            <a:pPr lvl="1"/>
+            <a:r>
+              <a:rPr lang="en-US" dirty="0">
+                <a:solidFill>
+                  <a:srgbClr val="1F1F1F"/>
+                </a:solidFill>
+                <a:latin typeface="ElsevierGulliver"/>
+              </a:rPr>
+              <a:t>Metastasis and vitiligo T cell infiltrates share more clonotypes than primary melanoma and vitiligo T cell infiltrates</a:t>
+            </a:r>
+          </a:p>
+          <a:p>
+            <a:endParaRPr lang="en-US" b="0" i="0" u="none" strike="noStrike" dirty="0">
+              <a:solidFill>
+                <a:srgbClr val="212121"/>
+              </a:solidFill>
+              <a:effectLst/>
+              <a:latin typeface="Cambria" panose="02040503050406030204" pitchFamily="18" charset="0"/>
+            </a:endParaRPr>
           </a:p>
         </p:txBody>
       </p:sp>
@@ -899,7 +917,7 @@
     </p:spTree>
     <p:extLst>
       <p:ext uri="{BB962C8B-B14F-4D97-AF65-F5344CB8AC3E}">
-        <p14:creationId xmlns:p14="http://schemas.microsoft.com/office/powerpoint/2010/main" val="3816453734"/>
+        <p14:creationId xmlns:p14="http://schemas.microsoft.com/office/powerpoint/2010/main" val="2672187720"/>
       </p:ext>
     </p:extLst>
   </p:cSld>
@@ -1163,7 +1181,7 @@
     </p:spTree>
     <p:extLst>
       <p:ext uri="{BB962C8B-B14F-4D97-AF65-F5344CB8AC3E}">
-        <p14:creationId xmlns:p14="http://schemas.microsoft.com/office/powerpoint/2010/main" val="3655689597"/>
+        <p14:creationId xmlns:p14="http://schemas.microsoft.com/office/powerpoint/2010/main" val="3093601068"/>
       </p:ext>
     </p:extLst>
   </p:cSld>
@@ -1217,6 +1235,96 @@
           <a:bodyPr/>
           <a:lstStyle/>
           <a:p>
+            <a:endParaRPr lang="en-US" b="0" dirty="0">
+              <a:solidFill>
+                <a:srgbClr val="CCCCCC"/>
+              </a:solidFill>
+              <a:effectLst/>
+              <a:latin typeface="Menlo" panose="020B0609030804020204" pitchFamily="49" charset="0"/>
+            </a:endParaRPr>
+          </a:p>
+        </p:txBody>
+      </p:sp>
+      <p:sp>
+        <p:nvSpPr>
+          <p:cNvPr id="4" name="Slide Number Placeholder 3"/>
+          <p:cNvSpPr>
+            <a:spLocks noGrp="1"/>
+          </p:cNvSpPr>
+          <p:nvPr>
+            <p:ph type="sldNum" sz="quarter" idx="5"/>
+          </p:nvPr>
+        </p:nvSpPr>
+        <p:spPr/>
+        <p:txBody>
+          <a:bodyPr/>
+          <a:lstStyle/>
+          <a:p>
+            <a:fld id="{061BAA8C-FDC6-D345-B4E0-3B02449209FB}" type="slidenum">
+              <a:rPr lang="en-US" smtClean="0"/>
+              <a:t>13</a:t>
+            </a:fld>
+            <a:endParaRPr lang="en-US"/>
+          </a:p>
+        </p:txBody>
+      </p:sp>
+    </p:spTree>
+    <p:extLst>
+      <p:ext uri="{BB962C8B-B14F-4D97-AF65-F5344CB8AC3E}">
+        <p14:creationId xmlns:p14="http://schemas.microsoft.com/office/powerpoint/2010/main" val="3655689597"/>
+      </p:ext>
+    </p:extLst>
+  </p:cSld>
+  <p:clrMapOvr>
+    <a:masterClrMapping/>
+  </p:clrMapOvr>
+</p:notes>
+</file>
+
+<file path=ppt/notesSlides/notesSlide14.xml><?xml version="1.0" encoding="utf-8"?>
+<p:notes xmlns:a="http://schemas.openxmlformats.org/drawingml/2006/main" xmlns:r="http://schemas.openxmlformats.org/officeDocument/2006/relationships" xmlns:p="http://schemas.openxmlformats.org/presentationml/2006/main">
+  <p:cSld>
+    <p:spTree>
+      <p:nvGrpSpPr>
+        <p:cNvPr id="1" name=""/>
+        <p:cNvGrpSpPr/>
+        <p:nvPr/>
+      </p:nvGrpSpPr>
+      <p:grpSpPr>
+        <a:xfrm>
+          <a:off x="0" y="0"/>
+          <a:ext cx="0" cy="0"/>
+          <a:chOff x="0" y="0"/>
+          <a:chExt cx="0" cy="0"/>
+        </a:xfrm>
+      </p:grpSpPr>
+      <p:sp>
+        <p:nvSpPr>
+          <p:cNvPr id="2" name="Slide Image Placeholder 1"/>
+          <p:cNvSpPr>
+            <a:spLocks noGrp="1" noRot="1" noChangeAspect="1"/>
+          </p:cNvSpPr>
+          <p:nvPr>
+            <p:ph type="sldImg"/>
+          </p:nvPr>
+        </p:nvSpPr>
+        <p:spPr/>
+      </p:sp>
+      <p:sp>
+        <p:nvSpPr>
+          <p:cNvPr id="3" name="Notes Placeholder 2"/>
+          <p:cNvSpPr>
+            <a:spLocks noGrp="1"/>
+          </p:cNvSpPr>
+          <p:nvPr>
+            <p:ph type="body" idx="1"/>
+          </p:nvPr>
+        </p:nvSpPr>
+        <p:spPr/>
+        <p:txBody>
+          <a:bodyPr/>
+          <a:lstStyle/>
+          <a:p>
             <a:pPr marL="0" marR="0" lvl="0" indent="0" algn="l" defTabSz="914400" rtl="0" eaLnBrk="1" fontAlgn="auto" latinLnBrk="0" hangingPunct="1">
               <a:lnSpc>
                 <a:spcPct val="100000"/>
@@ -1261,7 +1369,7 @@
           <a:p>
             <a:fld id="{061BAA8C-FDC6-D345-B4E0-3B02449209FB}" type="slidenum">
               <a:rPr lang="en-US" smtClean="0"/>
-              <a:t>13</a:t>
+              <a:t>14</a:t>
             </a:fld>
             <a:endParaRPr lang="en-US"/>
           </a:p>
@@ -2775,7 +2883,78 @@
           <a:bodyPr/>
           <a:lstStyle/>
           <a:p>
-            <a:endParaRPr lang="en-US" dirty="0"/>
+            <a:r>
+              <a:rPr lang="en-US" dirty="0"/>
+              <a:t>Seems as though this </a:t>
+            </a:r>
+            <a:r>
+              <a:rPr lang="en-US" b="0" i="0" u="none" strike="noStrike" dirty="0" err="1">
+                <a:solidFill>
+                  <a:srgbClr val="1F1F1F"/>
+                </a:solidFill>
+                <a:effectLst/>
+                <a:latin typeface="ElsevierGulliver"/>
+              </a:rPr>
+              <a:t>NeoTCR</a:t>
+            </a:r>
+            <a:r>
+              <a:rPr lang="en-US" b="0" i="0" u="none" strike="noStrike" baseline="-25000" dirty="0" err="1">
+                <a:solidFill>
+                  <a:srgbClr val="1F1F1F"/>
+                </a:solidFill>
+                <a:effectLst/>
+                <a:latin typeface="ElsevierGulliver"/>
+              </a:rPr>
+              <a:t>PBL</a:t>
+            </a:r>
+            <a:r>
+              <a:rPr lang="en-US" b="0" i="0" u="none" strike="noStrike" dirty="0">
+                <a:solidFill>
+                  <a:srgbClr val="1F1F1F"/>
+                </a:solidFill>
+                <a:effectLst/>
+                <a:latin typeface="ElsevierGulliver"/>
+              </a:rPr>
+              <a:t> transcriptional signature may be unique to tumor reactive PBMCs!</a:t>
+            </a:r>
+          </a:p>
+          <a:p>
+            <a:endParaRPr lang="en-US" b="0" i="0" u="none" strike="noStrike" dirty="0">
+              <a:solidFill>
+                <a:srgbClr val="1F1F1F"/>
+              </a:solidFill>
+              <a:effectLst/>
+              <a:latin typeface="ElsevierGulliver"/>
+            </a:endParaRPr>
+          </a:p>
+          <a:p>
+            <a:pPr marL="0" marR="0" lvl="0" indent="0" algn="l" defTabSz="914400" rtl="0" eaLnBrk="1" fontAlgn="auto" latinLnBrk="0" hangingPunct="1">
+              <a:lnSpc>
+                <a:spcPct val="100000"/>
+              </a:lnSpc>
+              <a:spcBef>
+                <a:spcPts val="0"/>
+              </a:spcBef>
+              <a:spcAft>
+                <a:spcPts val="0"/>
+              </a:spcAft>
+              <a:buClrTx/>
+              <a:buSzTx/>
+              <a:buFontTx/>
+              <a:buNone/>
+              <a:tabLst/>
+              <a:defRPr/>
+            </a:pPr>
+            <a:r>
+              <a:rPr lang="en-US" b="0" dirty="0">
+                <a:solidFill>
+                  <a:srgbClr val="CCCCCC"/>
+                </a:solidFill>
+                <a:effectLst/>
+                <a:latin typeface="Menlo" panose="020B0609030804020204" pitchFamily="49" charset="0"/>
+              </a:rPr>
+              <a:t>circulating tumor reactive T cells: lower expression of cytotoxic molecules, higher expression of T cell activation genes, memory quiescence, tissue residency, inhibitory markers</a:t>
+            </a:r>
           </a:p>
         </p:txBody>
       </p:sp>
@@ -2805,7 +2984,7 @@
     </p:spTree>
     <p:extLst>
       <p:ext uri="{BB962C8B-B14F-4D97-AF65-F5344CB8AC3E}">
-        <p14:creationId xmlns:p14="http://schemas.microsoft.com/office/powerpoint/2010/main" val="3760534543"/>
+        <p14:creationId xmlns:p14="http://schemas.microsoft.com/office/powerpoint/2010/main" val="486653700"/>
       </p:ext>
     </p:extLst>
   </p:cSld>
@@ -6175,8 +6354,150 @@
           <a:p>
             <a:r>
               <a:rPr lang="en-US" dirty="0"/>
-              <a:t>New dataset</a:t>
-            </a:r>
+              <a:t>Issue with </a:t>
+            </a:r>
+            <a:r>
+              <a:rPr lang="en-US" dirty="0" err="1"/>
+              <a:t>irAE</a:t>
+            </a:r>
+            <a:r>
+              <a:rPr lang="en-US" dirty="0"/>
+              <a:t> thyroiditis dataset</a:t>
+            </a:r>
+          </a:p>
+        </p:txBody>
+      </p:sp>
+      <p:sp>
+        <p:nvSpPr>
+          <p:cNvPr id="3" name="Content Placeholder 2">
+            <a:extLst>
+              <a:ext uri="{FF2B5EF4-FFF2-40B4-BE49-F238E27FC236}">
+                <a16:creationId xmlns:a16="http://schemas.microsoft.com/office/drawing/2014/main" id="{B9501834-7B32-1ACA-4358-B630FB8EEC36}"/>
+              </a:ext>
+            </a:extLst>
+          </p:cNvPr>
+          <p:cNvSpPr>
+            <a:spLocks noGrp="1"/>
+          </p:cNvSpPr>
+          <p:nvPr>
+            <p:ph idx="1"/>
+          </p:nvPr>
+        </p:nvSpPr>
+        <p:spPr>
+          <a:xfrm>
+            <a:off x="838200" y="1919289"/>
+            <a:ext cx="10515600" cy="4623402"/>
+          </a:xfrm>
+        </p:spPr>
+        <p:txBody>
+          <a:bodyPr>
+            <a:normAutofit/>
+          </a:bodyPr>
+          <a:lstStyle/>
+          <a:p>
+            <a:r>
+              <a:rPr lang="en-US" dirty="0"/>
+              <a:t>No normal thyroid HC T cells had TCR seq data</a:t>
+            </a:r>
+          </a:p>
+          <a:p>
+            <a:pPr lvl="1"/>
+            <a:r>
+              <a:rPr lang="en-US" dirty="0"/>
+              <a:t>Low T cell infiltration in healthy thyroid</a:t>
+            </a:r>
+          </a:p>
+          <a:p>
+            <a:pPr lvl="1"/>
+            <a:r>
+              <a:rPr lang="en-US" dirty="0"/>
+              <a:t>Not sure if worth comparing TCR features between </a:t>
+            </a:r>
+            <a:r>
+              <a:rPr lang="en-US" dirty="0" err="1"/>
+              <a:t>irAE</a:t>
+            </a:r>
+            <a:r>
+              <a:rPr lang="en-US" dirty="0"/>
+              <a:t> and HT groups</a:t>
+            </a:r>
+          </a:p>
+          <a:p>
+            <a:pPr lvl="1"/>
+            <a:r>
+              <a:rPr lang="en-US" dirty="0"/>
+              <a:t>Do have opportunity to get PBMC data from healthy controls, HT, Graves disease…</a:t>
+            </a:r>
+          </a:p>
+        </p:txBody>
+      </p:sp>
+    </p:spTree>
+    <p:extLst>
+      <p:ext uri="{BB962C8B-B14F-4D97-AF65-F5344CB8AC3E}">
+        <p14:creationId xmlns:p14="http://schemas.microsoft.com/office/powerpoint/2010/main" val="147075965"/>
+      </p:ext>
+    </p:extLst>
+  </p:cSld>
+  <p:clrMapOvr>
+    <a:masterClrMapping/>
+  </p:clrMapOvr>
+</p:sld>
+</file>
+
+<file path=ppt/slides/slide11.xml><?xml version="1.0" encoding="utf-8"?>
+<p:sld xmlns:a="http://schemas.openxmlformats.org/drawingml/2006/main" xmlns:r="http://schemas.openxmlformats.org/officeDocument/2006/relationships" xmlns:p="http://schemas.openxmlformats.org/presentationml/2006/main">
+  <p:cSld>
+    <p:spTree>
+      <p:nvGrpSpPr>
+        <p:cNvPr id="1" name=""/>
+        <p:cNvGrpSpPr/>
+        <p:nvPr/>
+      </p:nvGrpSpPr>
+      <p:grpSpPr>
+        <a:xfrm>
+          <a:off x="0" y="0"/>
+          <a:ext cx="0" cy="0"/>
+          <a:chOff x="0" y="0"/>
+          <a:chExt cx="0" cy="0"/>
+        </a:xfrm>
+      </p:grpSpPr>
+      <p:sp>
+        <p:nvSpPr>
+          <p:cNvPr id="2" name="Title 1">
+            <a:extLst>
+              <a:ext uri="{FF2B5EF4-FFF2-40B4-BE49-F238E27FC236}">
+                <a16:creationId xmlns:a16="http://schemas.microsoft.com/office/drawing/2014/main" id="{70A4C97D-8F21-3D3B-6A90-EA7145324964}"/>
+              </a:ext>
+            </a:extLst>
+          </p:cNvPr>
+          <p:cNvSpPr>
+            <a:spLocks noGrp="1"/>
+          </p:cNvSpPr>
+          <p:nvPr>
+            <p:ph type="title"/>
+          </p:nvPr>
+        </p:nvSpPr>
+        <p:spPr>
+          <a:xfrm>
+            <a:off x="838200" y="593725"/>
+            <a:ext cx="10515600" cy="1325563"/>
+          </a:xfrm>
+        </p:spPr>
+        <p:txBody>
+          <a:bodyPr>
+            <a:normAutofit/>
+          </a:bodyPr>
+          <a:lstStyle/>
+          <a:p>
+            <a:r>
+              <a:rPr lang="en-US" dirty="0"/>
+              <a:t>New dataset: colitis </a:t>
+            </a:r>
+            <a:r>
+              <a:rPr lang="en-US" dirty="0" err="1"/>
+              <a:t>irAE</a:t>
+            </a:r>
+            <a:endParaRPr lang="en-US" dirty="0"/>
           </a:p>
         </p:txBody>
       </p:sp>
@@ -6204,19 +6525,10 @@
         </p:spPr>
         <p:txBody>
           <a:bodyPr>
-            <a:normAutofit fontScale="92500" lnSpcReduction="10000"/>
+            <a:normAutofit fontScale="92500"/>
           </a:bodyPr>
           <a:lstStyle/>
           <a:p>
-            <a:r>
-              <a:rPr lang="en-US" b="0" i="0" u="none" strike="noStrike" dirty="0">
-                <a:solidFill>
-                  <a:srgbClr val="212121"/>
-                </a:solidFill>
-                <a:effectLst/>
-              </a:rPr>
-              <a:t>Colitis dataset: </a:t>
-            </a:r>
             <a:r>
               <a:rPr lang="en-US" b="0" u="none" strike="noStrike" dirty="0">
                 <a:solidFill>
@@ -6415,199 +6727,6 @@
 </p:sld>
 </file>
 
-<file path=ppt/slides/slide11.xml><?xml version="1.0" encoding="utf-8"?>
-<p:sld xmlns:a="http://schemas.openxmlformats.org/drawingml/2006/main" xmlns:r="http://schemas.openxmlformats.org/officeDocument/2006/relationships" xmlns:p="http://schemas.openxmlformats.org/presentationml/2006/main">
-  <p:cSld>
-    <p:spTree>
-      <p:nvGrpSpPr>
-        <p:cNvPr id="1" name=""/>
-        <p:cNvGrpSpPr/>
-        <p:nvPr/>
-      </p:nvGrpSpPr>
-      <p:grpSpPr>
-        <a:xfrm>
-          <a:off x="0" y="0"/>
-          <a:ext cx="0" cy="0"/>
-          <a:chOff x="0" y="0"/>
-          <a:chExt cx="0" cy="0"/>
-        </a:xfrm>
-      </p:grpSpPr>
-      <p:sp>
-        <p:nvSpPr>
-          <p:cNvPr id="2" name="Title 1">
-            <a:extLst>
-              <a:ext uri="{FF2B5EF4-FFF2-40B4-BE49-F238E27FC236}">
-                <a16:creationId xmlns:a16="http://schemas.microsoft.com/office/drawing/2014/main" id="{70A4C97D-8F21-3D3B-6A90-EA7145324964}"/>
-              </a:ext>
-            </a:extLst>
-          </p:cNvPr>
-          <p:cNvSpPr>
-            <a:spLocks noGrp="1"/>
-          </p:cNvSpPr>
-          <p:nvPr>
-            <p:ph type="title"/>
-          </p:nvPr>
-        </p:nvSpPr>
-        <p:spPr>
-          <a:xfrm>
-            <a:off x="838200" y="593725"/>
-            <a:ext cx="10515600" cy="1325563"/>
-          </a:xfrm>
-        </p:spPr>
-        <p:txBody>
-          <a:bodyPr>
-            <a:normAutofit/>
-          </a:bodyPr>
-          <a:lstStyle/>
-          <a:p>
-            <a:r>
-              <a:rPr lang="en-US" dirty="0"/>
-              <a:t>Phenotypic signatures of circulating neoantigen-reactive CD8</a:t>
-            </a:r>
-            <a:r>
-              <a:rPr lang="en-US" baseline="30000" dirty="0"/>
-              <a:t>+</a:t>
-            </a:r>
-            <a:r>
-              <a:rPr lang="en-US" dirty="0"/>
-              <a:t> T cells in patients with metastatic cancers</a:t>
-            </a:r>
-          </a:p>
-        </p:txBody>
-      </p:sp>
-      <p:sp>
-        <p:nvSpPr>
-          <p:cNvPr id="3" name="Content Placeholder 2">
-            <a:extLst>
-              <a:ext uri="{FF2B5EF4-FFF2-40B4-BE49-F238E27FC236}">
-                <a16:creationId xmlns:a16="http://schemas.microsoft.com/office/drawing/2014/main" id="{B9501834-7B32-1ACA-4358-B630FB8EEC36}"/>
-              </a:ext>
-            </a:extLst>
-          </p:cNvPr>
-          <p:cNvSpPr>
-            <a:spLocks noGrp="1"/>
-          </p:cNvSpPr>
-          <p:nvPr>
-            <p:ph idx="1"/>
-          </p:nvPr>
-        </p:nvSpPr>
-        <p:spPr>
-          <a:xfrm>
-            <a:off x="838200" y="1919289"/>
-            <a:ext cx="6111240" cy="4623402"/>
-          </a:xfrm>
-        </p:spPr>
-        <p:txBody>
-          <a:bodyPr>
-            <a:normAutofit/>
-          </a:bodyPr>
-          <a:lstStyle/>
-          <a:p>
-            <a:r>
-              <a:rPr lang="en-US" dirty="0"/>
-              <a:t>Test myocarditis dataset PBMCs</a:t>
-            </a:r>
-            <a:endParaRPr lang="en-US" b="0" i="0" u="none" strike="noStrike" dirty="0">
-              <a:solidFill>
-                <a:srgbClr val="1F1F1F"/>
-              </a:solidFill>
-              <a:effectLst/>
-              <a:latin typeface="ElsevierGulliver"/>
-            </a:endParaRPr>
-          </a:p>
-          <a:p>
-            <a:pPr lvl="1"/>
-            <a:r>
-              <a:rPr lang="en-US" dirty="0">
-                <a:solidFill>
-                  <a:srgbClr val="1F1F1F"/>
-                </a:solidFill>
-                <a:latin typeface="ElsevierGulliver"/>
-              </a:rPr>
-              <a:t>See if CD8 TEM TCR feature conclusions change in +/- </a:t>
-            </a:r>
-            <a:r>
-              <a:rPr lang="en-US" b="0" i="0" u="none" strike="noStrike" dirty="0" err="1">
-                <a:solidFill>
-                  <a:srgbClr val="1F1F1F"/>
-                </a:solidFill>
-                <a:effectLst/>
-                <a:latin typeface="ElsevierGulliver"/>
-              </a:rPr>
-              <a:t>NeoTCR</a:t>
-            </a:r>
-            <a:r>
-              <a:rPr lang="en-US" b="0" i="0" u="none" strike="noStrike" baseline="-25000" dirty="0" err="1">
-                <a:solidFill>
-                  <a:srgbClr val="1F1F1F"/>
-                </a:solidFill>
-                <a:effectLst/>
-                <a:latin typeface="ElsevierGulliver"/>
-              </a:rPr>
-              <a:t>PBL</a:t>
-            </a:r>
-            <a:r>
-              <a:rPr lang="en-US" b="0" i="0" u="none" strike="noStrike" dirty="0">
-                <a:solidFill>
-                  <a:srgbClr val="1F1F1F"/>
-                </a:solidFill>
-                <a:effectLst/>
-                <a:latin typeface="ElsevierGulliver"/>
-              </a:rPr>
-              <a:t> transcriptional signature?</a:t>
-            </a:r>
-            <a:endParaRPr lang="en-US" dirty="0">
-              <a:solidFill>
-                <a:srgbClr val="1F1F1F"/>
-              </a:solidFill>
-              <a:latin typeface="ElsevierGulliver"/>
-            </a:endParaRPr>
-          </a:p>
-        </p:txBody>
-      </p:sp>
-      <p:pic>
-        <p:nvPicPr>
-          <p:cNvPr id="4" name="Picture 3">
-            <a:extLst>
-              <a:ext uri="{FF2B5EF4-FFF2-40B4-BE49-F238E27FC236}">
-                <a16:creationId xmlns:a16="http://schemas.microsoft.com/office/drawing/2014/main" id="{CCD6F09A-FE73-C800-82CE-5DE1002345D9}"/>
-              </a:ext>
-            </a:extLst>
-          </p:cNvPr>
-          <p:cNvPicPr>
-            <a:picLocks noChangeAspect="1"/>
-          </p:cNvPicPr>
-          <p:nvPr/>
-        </p:nvPicPr>
-        <p:blipFill>
-          <a:blip r:embed="rId3"/>
-          <a:stretch>
-            <a:fillRect/>
-          </a:stretch>
-        </p:blipFill>
-        <p:spPr>
-          <a:xfrm>
-            <a:off x="6919363" y="1716390"/>
-            <a:ext cx="5038957" cy="5069840"/>
-          </a:xfrm>
-          <a:prstGeom prst="rect">
-            <a:avLst/>
-          </a:prstGeom>
-        </p:spPr>
-      </p:pic>
-    </p:spTree>
-    <p:extLst>
-      <p:ext uri="{BB962C8B-B14F-4D97-AF65-F5344CB8AC3E}">
-        <p14:creationId xmlns:p14="http://schemas.microsoft.com/office/powerpoint/2010/main" val="3141328136"/>
-      </p:ext>
-    </p:extLst>
-  </p:cSld>
-  <p:clrMapOvr>
-    <a:masterClrMapping/>
-  </p:clrMapOvr>
-</p:sld>
-</file>
-
 <file path=ppt/slides/slide12.xml><?xml version="1.0" encoding="utf-8"?>
 <p:sld xmlns:a="http://schemas.openxmlformats.org/drawingml/2006/main" xmlns:r="http://schemas.openxmlformats.org/officeDocument/2006/relationships" xmlns:p="http://schemas.openxmlformats.org/presentationml/2006/main">
   <p:cSld>
@@ -6655,6 +6774,170 @@
           <a:p>
             <a:r>
               <a:rPr lang="en-US" dirty="0"/>
+              <a:t>New dataset: vitiligo </a:t>
+            </a:r>
+            <a:r>
+              <a:rPr lang="en-US" dirty="0" err="1"/>
+              <a:t>irAE</a:t>
+            </a:r>
+            <a:endParaRPr lang="en-US" dirty="0"/>
+          </a:p>
+        </p:txBody>
+      </p:sp>
+      <p:sp>
+        <p:nvSpPr>
+          <p:cNvPr id="3" name="Content Placeholder 2">
+            <a:extLst>
+              <a:ext uri="{FF2B5EF4-FFF2-40B4-BE49-F238E27FC236}">
+                <a16:creationId xmlns:a16="http://schemas.microsoft.com/office/drawing/2014/main" id="{B9501834-7B32-1ACA-4358-B630FB8EEC36}"/>
+              </a:ext>
+            </a:extLst>
+          </p:cNvPr>
+          <p:cNvSpPr>
+            <a:spLocks noGrp="1"/>
+          </p:cNvSpPr>
+          <p:nvPr>
+            <p:ph idx="1"/>
+          </p:nvPr>
+        </p:nvSpPr>
+        <p:spPr>
+          <a:xfrm>
+            <a:off x="838199" y="1919288"/>
+            <a:ext cx="8996681" cy="4268152"/>
+          </a:xfrm>
+        </p:spPr>
+        <p:txBody>
+          <a:bodyPr>
+            <a:normAutofit/>
+          </a:bodyPr>
+          <a:lstStyle/>
+          <a:p>
+            <a:r>
+              <a:rPr lang="en-US" dirty="0">
+                <a:solidFill>
+                  <a:srgbClr val="1F1F1F"/>
+                </a:solidFill>
+                <a:latin typeface="ElsevierGulliver"/>
+              </a:rPr>
+              <a:t>Insight into immune profile associated with vitiligo onset and anti-tumoral response in melanoma patients receiving anti-PD-1 immunotherapy (</a:t>
+            </a:r>
+            <a:r>
+              <a:rPr lang="en-US" i="1" dirty="0">
+                <a:solidFill>
+                  <a:srgbClr val="1F1F1F"/>
+                </a:solidFill>
+                <a:latin typeface="ElsevierGulliver"/>
+              </a:rPr>
+              <a:t>Front Immunol</a:t>
+            </a:r>
+            <a:r>
+              <a:rPr lang="en-US" dirty="0">
+                <a:solidFill>
+                  <a:srgbClr val="1F1F1F"/>
+                </a:solidFill>
+                <a:latin typeface="ElsevierGulliver"/>
+              </a:rPr>
+              <a:t>, 2023)</a:t>
+            </a:r>
+          </a:p>
+          <a:p>
+            <a:pPr lvl="1"/>
+            <a:r>
+              <a:rPr lang="en-US" dirty="0">
+                <a:solidFill>
+                  <a:srgbClr val="1F1F1F"/>
+                </a:solidFill>
+                <a:latin typeface="ElsevierGulliver"/>
+              </a:rPr>
+              <a:t>Paired data pre/post ICB</a:t>
+            </a:r>
+          </a:p>
+          <a:p>
+            <a:pPr lvl="1"/>
+            <a:r>
+              <a:rPr lang="en-US" dirty="0">
+                <a:solidFill>
+                  <a:srgbClr val="1F1F1F"/>
+                </a:solidFill>
+                <a:latin typeface="ElsevierGulliver"/>
+              </a:rPr>
+              <a:t>n = 6 (vitiligo), n = 6 (no vitiligo)</a:t>
+            </a:r>
+          </a:p>
+          <a:p>
+            <a:pPr lvl="1"/>
+            <a:r>
+              <a:rPr lang="en-US" dirty="0">
+                <a:solidFill>
+                  <a:srgbClr val="1F1F1F"/>
+                </a:solidFill>
+                <a:latin typeface="ElsevierGulliver"/>
+              </a:rPr>
+              <a:t>Metastasis and vitiligo T cell infiltrates share more clonotypes than primary melanoma and vitiligo T cell infiltrates</a:t>
+            </a:r>
+          </a:p>
+        </p:txBody>
+      </p:sp>
+    </p:spTree>
+    <p:extLst>
+      <p:ext uri="{BB962C8B-B14F-4D97-AF65-F5344CB8AC3E}">
+        <p14:creationId xmlns:p14="http://schemas.microsoft.com/office/powerpoint/2010/main" val="2071370726"/>
+      </p:ext>
+    </p:extLst>
+  </p:cSld>
+  <p:clrMapOvr>
+    <a:masterClrMapping/>
+  </p:clrMapOvr>
+</p:sld>
+</file>
+
+<file path=ppt/slides/slide13.xml><?xml version="1.0" encoding="utf-8"?>
+<p:sld xmlns:a="http://schemas.openxmlformats.org/drawingml/2006/main" xmlns:r="http://schemas.openxmlformats.org/officeDocument/2006/relationships" xmlns:p="http://schemas.openxmlformats.org/presentationml/2006/main">
+  <p:cSld>
+    <p:spTree>
+      <p:nvGrpSpPr>
+        <p:cNvPr id="1" name=""/>
+        <p:cNvGrpSpPr/>
+        <p:nvPr/>
+      </p:nvGrpSpPr>
+      <p:grpSpPr>
+        <a:xfrm>
+          <a:off x="0" y="0"/>
+          <a:ext cx="0" cy="0"/>
+          <a:chOff x="0" y="0"/>
+          <a:chExt cx="0" cy="0"/>
+        </a:xfrm>
+      </p:grpSpPr>
+      <p:sp>
+        <p:nvSpPr>
+          <p:cNvPr id="2" name="Title 1">
+            <a:extLst>
+              <a:ext uri="{FF2B5EF4-FFF2-40B4-BE49-F238E27FC236}">
+                <a16:creationId xmlns:a16="http://schemas.microsoft.com/office/drawing/2014/main" id="{70A4C97D-8F21-3D3B-6A90-EA7145324964}"/>
+              </a:ext>
+            </a:extLst>
+          </p:cNvPr>
+          <p:cNvSpPr>
+            <a:spLocks noGrp="1"/>
+          </p:cNvSpPr>
+          <p:nvPr>
+            <p:ph type="title"/>
+          </p:nvPr>
+        </p:nvSpPr>
+        <p:spPr>
+          <a:xfrm>
+            <a:off x="838200" y="593725"/>
+            <a:ext cx="10515600" cy="1325563"/>
+          </a:xfrm>
+        </p:spPr>
+        <p:txBody>
+          <a:bodyPr>
+            <a:normAutofit/>
+          </a:bodyPr>
+          <a:lstStyle/>
+          <a:p>
+            <a:r>
+              <a:rPr lang="en-US" dirty="0"/>
               <a:t>Next steps</a:t>
             </a:r>
           </a:p>
@@ -6689,12 +6972,6 @@
           <a:lstStyle/>
           <a:p>
             <a:r>
-              <a:rPr lang="en-US" dirty="0"/>
-              <a:t>Colitis dataset mining</a:t>
-            </a:r>
-          </a:p>
-          <a:p>
-            <a:r>
               <a:rPr lang="en-US" dirty="0">
                 <a:solidFill>
                   <a:srgbClr val="1F1F1F"/>
@@ -6736,79 +7013,8 @@
           </a:p>
           <a:p>
             <a:r>
-              <a:rPr lang="en-US" dirty="0">
-                <a:solidFill>
-                  <a:srgbClr val="1F1F1F"/>
-                </a:solidFill>
-                <a:latin typeface="ElsevierGulliver"/>
-              </a:rPr>
-              <a:t>Mining vitiligo dataset</a:t>
-            </a:r>
-          </a:p>
-          <a:p>
-            <a:pPr lvl="1"/>
-            <a:r>
-              <a:rPr lang="en-US" dirty="0">
-                <a:solidFill>
-                  <a:srgbClr val="1F1F1F"/>
-                </a:solidFill>
-                <a:latin typeface="ElsevierGulliver"/>
-              </a:rPr>
-              <a:t>Insight into immune profile associated with vitiligo onset and anti-tumoral response in melanoma patients receiving anti-PD-1 immunotherapy (</a:t>
-            </a:r>
-            <a:r>
-              <a:rPr lang="en-US" i="1" dirty="0">
-                <a:solidFill>
-                  <a:srgbClr val="1F1F1F"/>
-                </a:solidFill>
-                <a:latin typeface="ElsevierGulliver"/>
-              </a:rPr>
-              <a:t>Front Immunol</a:t>
-            </a:r>
-            <a:r>
-              <a:rPr lang="en-US" dirty="0">
-                <a:solidFill>
-                  <a:srgbClr val="1F1F1F"/>
-                </a:solidFill>
-                <a:latin typeface="ElsevierGulliver"/>
-              </a:rPr>
-              <a:t>, 2023)</a:t>
-            </a:r>
-          </a:p>
-          <a:p>
-            <a:pPr lvl="1"/>
-            <a:r>
-              <a:rPr lang="en-US" dirty="0">
-                <a:solidFill>
-                  <a:srgbClr val="1F1F1F"/>
-                </a:solidFill>
-                <a:latin typeface="ElsevierGulliver"/>
-              </a:rPr>
-              <a:t>Paired data pre/post ICB</a:t>
-            </a:r>
-          </a:p>
-          <a:p>
-            <a:pPr lvl="1"/>
-            <a:r>
-              <a:rPr lang="en-US" dirty="0">
-                <a:solidFill>
-                  <a:srgbClr val="1F1F1F"/>
-                </a:solidFill>
-                <a:latin typeface="ElsevierGulliver"/>
-              </a:rPr>
-              <a:t>n = 6 (vitiligo), n = 6 (no vitiligo)</a:t>
-            </a:r>
-          </a:p>
-          <a:p>
-            <a:pPr lvl="1"/>
-            <a:r>
-              <a:rPr lang="en-US" dirty="0">
-                <a:solidFill>
-                  <a:srgbClr val="1F1F1F"/>
-                </a:solidFill>
-                <a:latin typeface="ElsevierGulliver"/>
-              </a:rPr>
-              <a:t>Metastasis and vitiligo T cell infiltrates share more clonotypes than primary melanoma and vitiligo T cell infiltrates</a:t>
+              <a:rPr lang="en-US" dirty="0"/>
+              <a:t>Mining colitis/vitiligo datasets</a:t>
             </a:r>
           </a:p>
         </p:txBody>
@@ -6826,7 +7032,7 @@
 </p:sld>
 </file>
 
-<file path=ppt/slides/slide13.xml><?xml version="1.0" encoding="utf-8"?>
+<file path=ppt/slides/slide14.xml><?xml version="1.0" encoding="utf-8"?>
 <p:sld xmlns:a="http://schemas.openxmlformats.org/drawingml/2006/main" xmlns:r="http://schemas.openxmlformats.org/officeDocument/2006/relationships" xmlns:p="http://schemas.openxmlformats.org/presentationml/2006/main">
   <p:cSld>
     <p:spTree>
@@ -7015,7 +7221,7 @@
           <a:p>
             <a:r>
               <a:rPr lang="en-US" dirty="0"/>
-              <a:t>Next steps with colitis dataset</a:t>
+              <a:t>Next steps with colitis/vitiligo datasets</a:t>
             </a:r>
           </a:p>
         </p:txBody>
@@ -9536,7 +9742,15 @@
           <a:p>
             <a:r>
               <a:rPr lang="en-US" dirty="0"/>
-              <a:t>Issue with thyroiditis dataset</a:t>
+              <a:t>Phenotypic signatures of circulating neoantigen-reactive CD8</a:t>
+            </a:r>
+            <a:r>
+              <a:rPr lang="en-US" baseline="30000" dirty="0"/>
+              <a:t>+</a:t>
+            </a:r>
+            <a:r>
+              <a:rPr lang="en-US" dirty="0"/>
+              <a:t> T cells in patients with metastatic cancers</a:t>
             </a:r>
           </a:p>
         </p:txBody>
@@ -9560,7 +9774,7 @@
         <p:spPr>
           <a:xfrm>
             <a:off x="838200" y="1919289"/>
-            <a:ext cx="10515600" cy="4623402"/>
+            <a:ext cx="6111240" cy="4623402"/>
           </a:xfrm>
         </p:spPr>
         <p:txBody>
@@ -9571,44 +9785,100 @@
           <a:p>
             <a:r>
               <a:rPr lang="en-US" dirty="0"/>
-              <a:t>No normal thyroid HC T cells had TCR seq data</a:t>
-            </a:r>
+              <a:t>Test myocarditis dataset PBMCs</a:t>
+            </a:r>
+            <a:endParaRPr lang="en-US" b="0" i="0" u="none" strike="noStrike" dirty="0">
+              <a:solidFill>
+                <a:srgbClr val="1F1F1F"/>
+              </a:solidFill>
+              <a:effectLst/>
+              <a:latin typeface="ElsevierGulliver"/>
+            </a:endParaRPr>
           </a:p>
           <a:p>
             <a:pPr lvl="1"/>
             <a:r>
-              <a:rPr lang="en-US" dirty="0"/>
-              <a:t>Low T cell infiltration in healthy thyroid</a:t>
-            </a:r>
-          </a:p>
-          <a:p>
-            <a:pPr lvl="1"/>
-            <a:r>
-              <a:rPr lang="en-US" dirty="0"/>
-              <a:t>Not sure if worth comparing TCR features between </a:t>
-            </a:r>
-            <a:r>
-              <a:rPr lang="en-US" dirty="0" err="1"/>
-              <a:t>irAE</a:t>
-            </a:r>
-            <a:r>
-              <a:rPr lang="en-US" dirty="0"/>
-              <a:t> and HT groups</a:t>
-            </a:r>
-          </a:p>
-          <a:p>
-            <a:pPr lvl="1"/>
-            <a:r>
-              <a:rPr lang="en-US" dirty="0"/>
-              <a:t>Do have opportunity to get PBMC data from healthy controls, HT, Graves disease…</a:t>
-            </a:r>
-          </a:p>
-        </p:txBody>
-      </p:sp>
+              <a:rPr lang="en-US" dirty="0">
+                <a:solidFill>
+                  <a:srgbClr val="1F1F1F"/>
+                </a:solidFill>
+                <a:latin typeface="ElsevierGulliver"/>
+              </a:rPr>
+              <a:t>See if CD8 TEM TCR feature conclusions change in +/- </a:t>
+            </a:r>
+            <a:r>
+              <a:rPr lang="en-US" b="0" i="0" u="none" strike="noStrike" dirty="0" err="1">
+                <a:solidFill>
+                  <a:srgbClr val="1F1F1F"/>
+                </a:solidFill>
+                <a:effectLst/>
+                <a:latin typeface="ElsevierGulliver"/>
+              </a:rPr>
+              <a:t>NeoTCR</a:t>
+            </a:r>
+            <a:r>
+              <a:rPr lang="en-US" b="0" i="0" u="none" strike="noStrike" baseline="-25000" dirty="0" err="1">
+                <a:solidFill>
+                  <a:srgbClr val="1F1F1F"/>
+                </a:solidFill>
+                <a:effectLst/>
+                <a:latin typeface="ElsevierGulliver"/>
+              </a:rPr>
+              <a:t>PBL</a:t>
+            </a:r>
+            <a:r>
+              <a:rPr lang="en-US" b="0" i="0" u="none" strike="noStrike" dirty="0">
+                <a:solidFill>
+                  <a:srgbClr val="1F1F1F"/>
+                </a:solidFill>
+                <a:effectLst/>
+                <a:latin typeface="ElsevierGulliver"/>
+              </a:rPr>
+              <a:t> transcriptional signature?</a:t>
+            </a:r>
+            <a:endParaRPr lang="en-US" dirty="0">
+              <a:solidFill>
+                <a:srgbClr val="1F1F1F"/>
+              </a:solidFill>
+              <a:latin typeface="ElsevierGulliver"/>
+            </a:endParaRPr>
+          </a:p>
+        </p:txBody>
+      </p:sp>
+      <p:pic>
+        <p:nvPicPr>
+          <p:cNvPr id="4" name="Picture 3">
+            <a:extLst>
+              <a:ext uri="{FF2B5EF4-FFF2-40B4-BE49-F238E27FC236}">
+                <a16:creationId xmlns:a16="http://schemas.microsoft.com/office/drawing/2014/main" id="{CCD6F09A-FE73-C800-82CE-5DE1002345D9}"/>
+              </a:ext>
+            </a:extLst>
+          </p:cNvPr>
+          <p:cNvPicPr>
+            <a:picLocks noChangeAspect="1"/>
+          </p:cNvPicPr>
+          <p:nvPr/>
+        </p:nvPicPr>
+        <p:blipFill>
+          <a:blip r:embed="rId3"/>
+          <a:stretch>
+            <a:fillRect/>
+          </a:stretch>
+        </p:blipFill>
+        <p:spPr>
+          <a:xfrm>
+            <a:off x="6919363" y="1716390"/>
+            <a:ext cx="5038957" cy="5069840"/>
+          </a:xfrm>
+          <a:prstGeom prst="rect">
+            <a:avLst/>
+          </a:prstGeom>
+        </p:spPr>
+      </p:pic>
     </p:spTree>
     <p:extLst>
       <p:ext uri="{BB962C8B-B14F-4D97-AF65-F5344CB8AC3E}">
-        <p14:creationId xmlns:p14="http://schemas.microsoft.com/office/powerpoint/2010/main" val="147075965"/>
+        <p14:creationId xmlns:p14="http://schemas.microsoft.com/office/powerpoint/2010/main" val="2203973659"/>
       </p:ext>
     </p:extLst>
   </p:cSld>
